--- a/CYBER360-1.4-OO-Models.pptx
+++ b/CYBER360-1.4-OO-Models.pptx
@@ -108,7 +108,56 @@
       </a:defRPr>
     </a:lvl9pPr>
   </p:defaultTextStyle>
+  <p:extLst>
+    <p:ext uri="{EFAFB233-063F-42B5-8137-9DF3F51BA10A}">
+      <p15:sldGuideLst xmlns:p15="http://schemas.microsoft.com/office/powerpoint/2012/main"/>
+    </p:ext>
+  </p:extLst>
 </p:presentation>
+</file>
+
+<file path=ppt/changesInfos/changesInfo1.xml><?xml version="1.0" encoding="utf-8"?>
+<pc:chgInfo xmlns:a="http://schemas.openxmlformats.org/drawingml/2006/main" xmlns:r="http://schemas.openxmlformats.org/officeDocument/2006/relationships" xmlns:ac="http://schemas.microsoft.com/office/drawing/2013/main/command" xmlns:pc="http://schemas.microsoft.com/office/powerpoint/2013/main/command">
+  <pc:docChgLst>
+    <pc:chgData name="Gibbons, Carl" userId="d2b037bc-8fb4-4222-845c-61440543a456" providerId="ADAL" clId="{A7864C9E-2542-4D72-8D22-37168C186CB5}"/>
+    <pc:docChg chg="custSel modSld">
+      <pc:chgData name="Gibbons, Carl" userId="d2b037bc-8fb4-4222-845c-61440543a456" providerId="ADAL" clId="{A7864C9E-2542-4D72-8D22-37168C186CB5}" dt="2024-06-13T19:39:30.373" v="31" actId="20577"/>
+      <pc:docMkLst>
+        <pc:docMk/>
+      </pc:docMkLst>
+      <pc:sldChg chg="modSp mod">
+        <pc:chgData name="Gibbons, Carl" userId="d2b037bc-8fb4-4222-845c-61440543a456" providerId="ADAL" clId="{A7864C9E-2542-4D72-8D22-37168C186CB5}" dt="2024-06-13T19:39:30.373" v="31" actId="20577"/>
+        <pc:sldMkLst>
+          <pc:docMk/>
+          <pc:sldMk cId="2255247768" sldId="265"/>
+        </pc:sldMkLst>
+        <pc:spChg chg="mod">
+          <ac:chgData name="Gibbons, Carl" userId="d2b037bc-8fb4-4222-845c-61440543a456" providerId="ADAL" clId="{A7864C9E-2542-4D72-8D22-37168C186CB5}" dt="2024-06-13T19:39:30.373" v="31" actId="20577"/>
+          <ac:spMkLst>
+            <pc:docMk/>
+            <pc:sldMk cId="2255247768" sldId="265"/>
+            <ac:spMk id="4" creationId="{B64A8207-997F-319E-7F6D-676D3ECA779B}"/>
+          </ac:spMkLst>
+        </pc:spChg>
+      </pc:sldChg>
+      <pc:sldChg chg="modSp mod">
+        <pc:chgData name="Gibbons, Carl" userId="d2b037bc-8fb4-4222-845c-61440543a456" providerId="ADAL" clId="{A7864C9E-2542-4D72-8D22-37168C186CB5}" dt="2024-06-13T19:35:59.405" v="1" actId="15"/>
+        <pc:sldMkLst>
+          <pc:docMk/>
+          <pc:sldMk cId="2721392785" sldId="266"/>
+        </pc:sldMkLst>
+        <pc:spChg chg="mod">
+          <ac:chgData name="Gibbons, Carl" userId="d2b037bc-8fb4-4222-845c-61440543a456" providerId="ADAL" clId="{A7864C9E-2542-4D72-8D22-37168C186CB5}" dt="2024-06-13T19:35:59.405" v="1" actId="15"/>
+          <ac:spMkLst>
+            <pc:docMk/>
+            <pc:sldMk cId="2721392785" sldId="266"/>
+            <ac:spMk id="4" creationId="{B64A8207-997F-319E-7F6D-676D3ECA779B}"/>
+          </ac:spMkLst>
+        </pc:spChg>
+      </pc:sldChg>
+    </pc:docChg>
+  </pc:docChgLst>
+</pc:chgInfo>
 </file>
 
 <file path=ppt/slideLayouts/slideLayout1.xml><?xml version="1.0" encoding="utf-8"?>
@@ -258,7 +307,7 @@
           <a:p>
             <a:fld id="{DF9E2E06-C4CD-42EC-A5CF-3686BAD2E9B8}" type="datetimeFigureOut">
               <a:rPr lang="en-US" smtClean="0"/>
-              <a:t>11/20/2023</a:t>
+              <a:t>6/13/2024</a:t>
             </a:fld>
             <a:endParaRPr lang="en-US"/>
           </a:p>
@@ -456,7 +505,7 @@
           <a:p>
             <a:fld id="{DF9E2E06-C4CD-42EC-A5CF-3686BAD2E9B8}" type="datetimeFigureOut">
               <a:rPr lang="en-US" smtClean="0"/>
-              <a:t>11/20/2023</a:t>
+              <a:t>6/13/2024</a:t>
             </a:fld>
             <a:endParaRPr lang="en-US"/>
           </a:p>
@@ -664,7 +713,7 @@
           <a:p>
             <a:fld id="{DF9E2E06-C4CD-42EC-A5CF-3686BAD2E9B8}" type="datetimeFigureOut">
               <a:rPr lang="en-US" smtClean="0"/>
-              <a:t>11/20/2023</a:t>
+              <a:t>6/13/2024</a:t>
             </a:fld>
             <a:endParaRPr lang="en-US"/>
           </a:p>
@@ -943,7 +992,7 @@
           <a:p>
             <a:fld id="{DF9E2E06-C4CD-42EC-A5CF-3686BAD2E9B8}" type="datetimeFigureOut">
               <a:rPr lang="en-US" smtClean="0"/>
-              <a:t>11/20/2023</a:t>
+              <a:t>6/13/2024</a:t>
             </a:fld>
             <a:endParaRPr lang="en-US"/>
           </a:p>
@@ -1218,7 +1267,7 @@
           <a:p>
             <a:fld id="{DF9E2E06-C4CD-42EC-A5CF-3686BAD2E9B8}" type="datetimeFigureOut">
               <a:rPr lang="en-US" smtClean="0"/>
-              <a:t>11/20/2023</a:t>
+              <a:t>6/13/2024</a:t>
             </a:fld>
             <a:endParaRPr lang="en-US"/>
           </a:p>
@@ -1483,7 +1532,7 @@
           <a:p>
             <a:fld id="{DF9E2E06-C4CD-42EC-A5CF-3686BAD2E9B8}" type="datetimeFigureOut">
               <a:rPr lang="en-US" smtClean="0"/>
-              <a:t>11/20/2023</a:t>
+              <a:t>6/13/2024</a:t>
             </a:fld>
             <a:endParaRPr lang="en-US"/>
           </a:p>
@@ -1895,7 +1944,7 @@
           <a:p>
             <a:fld id="{DF9E2E06-C4CD-42EC-A5CF-3686BAD2E9B8}" type="datetimeFigureOut">
               <a:rPr lang="en-US" smtClean="0"/>
-              <a:t>11/20/2023</a:t>
+              <a:t>6/13/2024</a:t>
             </a:fld>
             <a:endParaRPr lang="en-US"/>
           </a:p>
@@ -2036,7 +2085,7 @@
           <a:p>
             <a:fld id="{DF9E2E06-C4CD-42EC-A5CF-3686BAD2E9B8}" type="datetimeFigureOut">
               <a:rPr lang="en-US" smtClean="0"/>
-              <a:t>11/20/2023</a:t>
+              <a:t>6/13/2024</a:t>
             </a:fld>
             <a:endParaRPr lang="en-US"/>
           </a:p>
@@ -2149,7 +2198,7 @@
           <a:p>
             <a:fld id="{DF9E2E06-C4CD-42EC-A5CF-3686BAD2E9B8}" type="datetimeFigureOut">
               <a:rPr lang="en-US" smtClean="0"/>
-              <a:t>11/20/2023</a:t>
+              <a:t>6/13/2024</a:t>
             </a:fld>
             <a:endParaRPr lang="en-US"/>
           </a:p>
@@ -2460,7 +2509,7 @@
           <a:p>
             <a:fld id="{DF9E2E06-C4CD-42EC-A5CF-3686BAD2E9B8}" type="datetimeFigureOut">
               <a:rPr lang="en-US" smtClean="0"/>
-              <a:t>11/20/2023</a:t>
+              <a:t>6/13/2024</a:t>
             </a:fld>
             <a:endParaRPr lang="en-US"/>
           </a:p>
@@ -2748,7 +2797,7 @@
           <a:p>
             <a:fld id="{DF9E2E06-C4CD-42EC-A5CF-3686BAD2E9B8}" type="datetimeFigureOut">
               <a:rPr lang="en-US" smtClean="0"/>
-              <a:t>11/20/2023</a:t>
+              <a:t>6/13/2024</a:t>
             </a:fld>
             <a:endParaRPr lang="en-US"/>
           </a:p>
@@ -2989,7 +3038,7 @@
           <a:p>
             <a:fld id="{DF9E2E06-C4CD-42EC-A5CF-3686BAD2E9B8}" type="datetimeFigureOut">
               <a:rPr lang="en-US" smtClean="0"/>
-              <a:t>11/20/2023</a:t>
+              <a:t>6/13/2024</a:t>
             </a:fld>
             <a:endParaRPr lang="en-US"/>
           </a:p>
@@ -3781,7 +3830,7 @@
             <a:endParaRPr lang="en-US" sz="2000" dirty="0"/>
           </a:p>
           <a:p>
-            <a:pPr marL="342900" indent="-342900">
+            <a:pPr marL="800100" lvl="1" indent="-342900">
               <a:buFont typeface="Arial" panose="020B0604020202020204" pitchFamily="34" charset="0"/>
               <a:buChar char="•"/>
             </a:pPr>
@@ -3798,7 +3847,7 @@
             <a:endParaRPr lang="en-US" sz="2000" dirty="0"/>
           </a:p>
           <a:p>
-            <a:pPr marL="342900" indent="-342900">
+            <a:pPr marL="800100" lvl="1" indent="-342900">
               <a:buFont typeface="Arial" panose="020B0604020202020204" pitchFamily="34" charset="0"/>
               <a:buChar char="•"/>
             </a:pPr>
@@ -3884,7 +3933,7 @@
         <p:spPr>
           <a:xfrm>
             <a:off x="1268392" y="1054728"/>
-            <a:ext cx="9655207" cy="4401205"/>
+            <a:ext cx="9655207" cy="4708981"/>
           </a:xfrm>
           <a:prstGeom prst="rect">
             <a:avLst/>
@@ -3903,7 +3952,7 @@
             </a:pPr>
             <a:r>
               <a:rPr lang="en-US" sz="2000" dirty="0"/>
-              <a:t>Financial planners or business analysts model budgets or markets by building formulas into cells of a spreadsheet, and then try “what-if” simulations to see what happens to the bottom line when they adjust various values in the spreadsheet.</a:t>
+              <a:t>Financial planners and business analysts model budgets and markets. They build formulas into cells of a spreadsheet, and then they try “what-if” simulations to see what happens to the bottom line when they adjust various values in the spreadsheet.</a:t>
             </a:r>
           </a:p>
           <a:p>
@@ -3980,8 +4029,16 @@
             </a:r>
             <a:r>
               <a:rPr lang="en-US" sz="2000" dirty="0"/>
-              <a:t> to simulate future semesters’ enrollment choices. Students use it to ensure courses are taken at appropriate times and will satisfy degree requirements.</a:t>
-            </a:r>
+              <a:t> to simulate future semesters’ enrollment choices. Students use it to ensure courses are taken at appropriate times and will satisfy degree </a:t>
+            </a:r>
+            <a:r>
+              <a:rPr lang="en-US" sz="2000"/>
+              <a:t>requirements.</a:t>
+            </a:r>
+            <a:br>
+              <a:rPr lang="en-US" sz="2000"/>
+            </a:br>
+            <a:endParaRPr lang="en-US" sz="2000" dirty="0"/>
           </a:p>
         </p:txBody>
       </p:sp>

--- a/CYBER360-1.4-OO-Models.pptx
+++ b/CYBER360-1.4-OO-Models.pptx
@@ -5,11 +5,11 @@
     <p:sldMasterId id="2147483648" r:id="rId1"/>
   </p:sldMasterIdLst>
   <p:sldIdLst>
-    <p:sldId id="256" r:id="rId2"/>
-    <p:sldId id="263" r:id="rId3"/>
-    <p:sldId id="266" r:id="rId4"/>
-    <p:sldId id="265" r:id="rId5"/>
-    <p:sldId id="264" r:id="rId6"/>
+    <p:sldId id="257" r:id="rId2"/>
+    <p:sldId id="258" r:id="rId3"/>
+    <p:sldId id="259" r:id="rId4"/>
+    <p:sldId id="260" r:id="rId5"/>
+    <p:sldId id="261" r:id="rId6"/>
   </p:sldIdLst>
   <p:sldSz cx="12192000" cy="6858000"/>
   <p:notesSz cx="6858000" cy="9144000"/>
@@ -119,38 +119,139 @@
 <file path=ppt/changesInfos/changesInfo1.xml><?xml version="1.0" encoding="utf-8"?>
 <pc:chgInfo xmlns:a="http://schemas.openxmlformats.org/drawingml/2006/main" xmlns:r="http://schemas.openxmlformats.org/officeDocument/2006/relationships" xmlns:ac="http://schemas.microsoft.com/office/drawing/2013/main/command" xmlns:pc="http://schemas.microsoft.com/office/powerpoint/2013/main/command">
   <pc:docChgLst>
-    <pc:chgData name="Gibbons, Carl" userId="d2b037bc-8fb4-4222-845c-61440543a456" providerId="ADAL" clId="{A7864C9E-2542-4D72-8D22-37168C186CB5}"/>
-    <pc:docChg chg="custSel modSld">
-      <pc:chgData name="Gibbons, Carl" userId="d2b037bc-8fb4-4222-845c-61440543a456" providerId="ADAL" clId="{A7864C9E-2542-4D72-8D22-37168C186CB5}" dt="2024-06-13T19:39:30.373" v="31" actId="20577"/>
+    <pc:chgData name="Palmer, Jennifer" userId="04c8c1b4-349a-4c5d-8a68-5732467f309e" providerId="ADAL" clId="{9ED56B80-6F6B-413E-8B82-A20243670CBD}"/>
+    <pc:docChg chg="undo custSel modSld">
+      <pc:chgData name="Palmer, Jennifer" userId="04c8c1b4-349a-4c5d-8a68-5732467f309e" providerId="ADAL" clId="{9ED56B80-6F6B-413E-8B82-A20243670CBD}" dt="2024-11-20T22:51:10.126" v="6" actId="1076"/>
       <pc:docMkLst>
         <pc:docMk/>
       </pc:docMkLst>
       <pc:sldChg chg="modSp mod">
-        <pc:chgData name="Gibbons, Carl" userId="d2b037bc-8fb4-4222-845c-61440543a456" providerId="ADAL" clId="{A7864C9E-2542-4D72-8D22-37168C186CB5}" dt="2024-06-13T19:39:30.373" v="31" actId="20577"/>
+        <pc:chgData name="Palmer, Jennifer" userId="04c8c1b4-349a-4c5d-8a68-5732467f309e" providerId="ADAL" clId="{9ED56B80-6F6B-413E-8B82-A20243670CBD}" dt="2024-11-20T22:50:45.671" v="4" actId="1076"/>
         <pc:sldMkLst>
           <pc:docMk/>
-          <pc:sldMk cId="2255247768" sldId="265"/>
+          <pc:sldMk cId="3031508461" sldId="258"/>
         </pc:sldMkLst>
         <pc:spChg chg="mod">
-          <ac:chgData name="Gibbons, Carl" userId="d2b037bc-8fb4-4222-845c-61440543a456" providerId="ADAL" clId="{A7864C9E-2542-4D72-8D22-37168C186CB5}" dt="2024-06-13T19:39:30.373" v="31" actId="20577"/>
+          <ac:chgData name="Palmer, Jennifer" userId="04c8c1b4-349a-4c5d-8a68-5732467f309e" providerId="ADAL" clId="{9ED56B80-6F6B-413E-8B82-A20243670CBD}" dt="2024-11-20T22:50:45.671" v="4" actId="1076"/>
           <ac:spMkLst>
             <pc:docMk/>
-            <pc:sldMk cId="2255247768" sldId="265"/>
+            <pc:sldMk cId="3031508461" sldId="258"/>
+            <ac:spMk id="2" creationId="{64492E64-A68B-8CA7-B3C6-044F7C8E76AB}"/>
+          </ac:spMkLst>
+        </pc:spChg>
+        <pc:spChg chg="mod">
+          <ac:chgData name="Palmer, Jennifer" userId="04c8c1b4-349a-4c5d-8a68-5732467f309e" providerId="ADAL" clId="{9ED56B80-6F6B-413E-8B82-A20243670CBD}" dt="2024-11-20T22:50:37.429" v="0" actId="1076"/>
+          <ac:spMkLst>
+            <pc:docMk/>
+            <pc:sldMk cId="3031508461" sldId="258"/>
             <ac:spMk id="4" creationId="{B64A8207-997F-319E-7F6D-676D3ECA779B}"/>
           </ac:spMkLst>
         </pc:spChg>
       </pc:sldChg>
       <pc:sldChg chg="modSp mod">
-        <pc:chgData name="Gibbons, Carl" userId="d2b037bc-8fb4-4222-845c-61440543a456" providerId="ADAL" clId="{A7864C9E-2542-4D72-8D22-37168C186CB5}" dt="2024-06-13T19:35:59.405" v="1" actId="15"/>
+        <pc:chgData name="Palmer, Jennifer" userId="04c8c1b4-349a-4c5d-8a68-5732467f309e" providerId="ADAL" clId="{9ED56B80-6F6B-413E-8B82-A20243670CBD}" dt="2024-11-20T22:51:10.126" v="6" actId="1076"/>
         <pc:sldMkLst>
           <pc:docMk/>
-          <pc:sldMk cId="2721392785" sldId="266"/>
+          <pc:sldMk cId="2721392785" sldId="259"/>
         </pc:sldMkLst>
         <pc:spChg chg="mod">
-          <ac:chgData name="Gibbons, Carl" userId="d2b037bc-8fb4-4222-845c-61440543a456" providerId="ADAL" clId="{A7864C9E-2542-4D72-8D22-37168C186CB5}" dt="2024-06-13T19:35:59.405" v="1" actId="15"/>
+          <ac:chgData name="Palmer, Jennifer" userId="04c8c1b4-349a-4c5d-8a68-5732467f309e" providerId="ADAL" clId="{9ED56B80-6F6B-413E-8B82-A20243670CBD}" dt="2024-11-20T22:51:10.126" v="6" actId="1076"/>
           <ac:spMkLst>
             <pc:docMk/>
-            <pc:sldMk cId="2721392785" sldId="266"/>
+            <pc:sldMk cId="2721392785" sldId="259"/>
+            <ac:spMk id="2" creationId="{64492E64-A68B-8CA7-B3C6-044F7C8E76AB}"/>
+          </ac:spMkLst>
+        </pc:spChg>
+        <pc:spChg chg="mod">
+          <ac:chgData name="Palmer, Jennifer" userId="04c8c1b4-349a-4c5d-8a68-5732467f309e" providerId="ADAL" clId="{9ED56B80-6F6B-413E-8B82-A20243670CBD}" dt="2024-11-20T22:51:06.831" v="5" actId="1076"/>
+          <ac:spMkLst>
+            <pc:docMk/>
+            <pc:sldMk cId="2721392785" sldId="259"/>
+            <ac:spMk id="4" creationId="{B64A8207-997F-319E-7F6D-676D3ECA779B}"/>
+          </ac:spMkLst>
+        </pc:spChg>
+      </pc:sldChg>
+    </pc:docChg>
+  </pc:docChgLst>
+  <pc:docChgLst>
+    <pc:chgData name="Talbert, Matthew" userId="877a4118-3f16-4ac9-a72c-5dd2c7b28c85" providerId="ADAL" clId="{34667920-788A-4B03-9243-15252BB5FBFC}"/>
+    <pc:docChg chg="modSld">
+      <pc:chgData name="Talbert, Matthew" userId="877a4118-3f16-4ac9-a72c-5dd2c7b28c85" providerId="ADAL" clId="{34667920-788A-4B03-9243-15252BB5FBFC}" dt="2024-11-22T22:55:55.563" v="76" actId="1036"/>
+      <pc:docMkLst>
+        <pc:docMk/>
+      </pc:docMkLst>
+      <pc:sldChg chg="modSp mod">
+        <pc:chgData name="Talbert, Matthew" userId="877a4118-3f16-4ac9-a72c-5dd2c7b28c85" providerId="ADAL" clId="{34667920-788A-4B03-9243-15252BB5FBFC}" dt="2024-11-22T22:55:35.332" v="7" actId="1036"/>
+        <pc:sldMkLst>
+          <pc:docMk/>
+          <pc:sldMk cId="3031508461" sldId="258"/>
+        </pc:sldMkLst>
+        <pc:spChg chg="mod">
+          <ac:chgData name="Talbert, Matthew" userId="877a4118-3f16-4ac9-a72c-5dd2c7b28c85" providerId="ADAL" clId="{34667920-788A-4B03-9243-15252BB5FBFC}" dt="2024-11-22T22:55:35.332" v="7" actId="1036"/>
+          <ac:spMkLst>
+            <pc:docMk/>
+            <pc:sldMk cId="3031508461" sldId="258"/>
+            <ac:spMk id="4" creationId="{B64A8207-997F-319E-7F6D-676D3ECA779B}"/>
+          </ac:spMkLst>
+        </pc:spChg>
+      </pc:sldChg>
+      <pc:sldChg chg="modSp mod">
+        <pc:chgData name="Talbert, Matthew" userId="877a4118-3f16-4ac9-a72c-5dd2c7b28c85" providerId="ADAL" clId="{34667920-788A-4B03-9243-15252BB5FBFC}" dt="2024-11-22T22:55:38.113" v="13" actId="1036"/>
+        <pc:sldMkLst>
+          <pc:docMk/>
+          <pc:sldMk cId="2721392785" sldId="259"/>
+        </pc:sldMkLst>
+        <pc:spChg chg="mod">
+          <ac:chgData name="Talbert, Matthew" userId="877a4118-3f16-4ac9-a72c-5dd2c7b28c85" providerId="ADAL" clId="{34667920-788A-4B03-9243-15252BB5FBFC}" dt="2024-11-22T22:55:38.113" v="13" actId="1036"/>
+          <ac:spMkLst>
+            <pc:docMk/>
+            <pc:sldMk cId="2721392785" sldId="259"/>
+            <ac:spMk id="4" creationId="{B64A8207-997F-319E-7F6D-676D3ECA779B}"/>
+          </ac:spMkLst>
+        </pc:spChg>
+      </pc:sldChg>
+      <pc:sldChg chg="modSp mod">
+        <pc:chgData name="Talbert, Matthew" userId="877a4118-3f16-4ac9-a72c-5dd2c7b28c85" providerId="ADAL" clId="{34667920-788A-4B03-9243-15252BB5FBFC}" dt="2024-11-22T22:55:47.995" v="54" actId="1035"/>
+        <pc:sldMkLst>
+          <pc:docMk/>
+          <pc:sldMk cId="2255247768" sldId="260"/>
+        </pc:sldMkLst>
+        <pc:spChg chg="mod">
+          <ac:chgData name="Talbert, Matthew" userId="877a4118-3f16-4ac9-a72c-5dd2c7b28c85" providerId="ADAL" clId="{34667920-788A-4B03-9243-15252BB5FBFC}" dt="2024-11-22T22:55:45.019" v="50" actId="1036"/>
+          <ac:spMkLst>
+            <pc:docMk/>
+            <pc:sldMk cId="2255247768" sldId="260"/>
+            <ac:spMk id="2" creationId="{64492E64-A68B-8CA7-B3C6-044F7C8E76AB}"/>
+          </ac:spMkLst>
+        </pc:spChg>
+        <pc:spChg chg="mod">
+          <ac:chgData name="Talbert, Matthew" userId="877a4118-3f16-4ac9-a72c-5dd2c7b28c85" providerId="ADAL" clId="{34667920-788A-4B03-9243-15252BB5FBFC}" dt="2024-11-22T22:55:47.995" v="54" actId="1035"/>
+          <ac:spMkLst>
+            <pc:docMk/>
+            <pc:sldMk cId="2255247768" sldId="260"/>
+            <ac:spMk id="4" creationId="{B64A8207-997F-319E-7F6D-676D3ECA779B}"/>
+          </ac:spMkLst>
+        </pc:spChg>
+      </pc:sldChg>
+      <pc:sldChg chg="modSp mod">
+        <pc:chgData name="Talbert, Matthew" userId="877a4118-3f16-4ac9-a72c-5dd2c7b28c85" providerId="ADAL" clId="{34667920-788A-4B03-9243-15252BB5FBFC}" dt="2024-11-22T22:55:55.563" v="76" actId="1036"/>
+        <pc:sldMkLst>
+          <pc:docMk/>
+          <pc:sldMk cId="261275171" sldId="261"/>
+        </pc:sldMkLst>
+        <pc:spChg chg="mod">
+          <ac:chgData name="Talbert, Matthew" userId="877a4118-3f16-4ac9-a72c-5dd2c7b28c85" providerId="ADAL" clId="{34667920-788A-4B03-9243-15252BB5FBFC}" dt="2024-11-22T22:55:55.563" v="76" actId="1036"/>
+          <ac:spMkLst>
+            <pc:docMk/>
+            <pc:sldMk cId="261275171" sldId="261"/>
+            <ac:spMk id="2" creationId="{64492E64-A68B-8CA7-B3C6-044F7C8E76AB}"/>
+          </ac:spMkLst>
+        </pc:spChg>
+        <pc:spChg chg="mod">
+          <ac:chgData name="Talbert, Matthew" userId="877a4118-3f16-4ac9-a72c-5dd2c7b28c85" providerId="ADAL" clId="{34667920-788A-4B03-9243-15252BB5FBFC}" dt="2024-11-22T22:55:52.874" v="62" actId="1036"/>
+          <ac:spMkLst>
+            <pc:docMk/>
+            <pc:sldMk cId="261275171" sldId="261"/>
             <ac:spMk id="4" creationId="{B64A8207-997F-319E-7F6D-676D3ECA779B}"/>
           </ac:spMkLst>
         </pc:spChg>
@@ -161,7 +262,7 @@
 </file>
 
 <file path=ppt/slideLayouts/slideLayout1.xml><?xml version="1.0" encoding="utf-8"?>
-<p:sldLayout xmlns:a="http://schemas.openxmlformats.org/drawingml/2006/main" xmlns:r="http://schemas.openxmlformats.org/officeDocument/2006/relationships" xmlns:p="http://schemas.openxmlformats.org/presentationml/2006/main" type="title" preserve="1">
+<p:sldLayout xmlns:a="http://schemas.openxmlformats.org/drawingml/2006/main" xmlns:r="http://schemas.openxmlformats.org/officeDocument/2006/relationships" xmlns:p="http://schemas.openxmlformats.org/presentationml/2006/main" preserve="1" userDrawn="1">
   <p:cSld name="Title Slide">
     <p:spTree>
       <p:nvGrpSpPr>
@@ -177,200 +278,10 @@
           <a:chExt cx="0" cy="0"/>
         </a:xfrm>
       </p:grpSpPr>
-      <p:sp>
-        <p:nvSpPr>
-          <p:cNvPr id="2" name="Title 1">
-            <a:extLst>
-              <a:ext uri="{FF2B5EF4-FFF2-40B4-BE49-F238E27FC236}">
-                <a16:creationId xmlns:a16="http://schemas.microsoft.com/office/drawing/2014/main" id="{D000D2D3-DCB5-C920-77CD-7606F5E6369D}"/>
-              </a:ext>
-            </a:extLst>
-          </p:cNvPr>
-          <p:cNvSpPr>
-            <a:spLocks noGrp="1"/>
-          </p:cNvSpPr>
-          <p:nvPr>
-            <p:ph type="ctrTitle"/>
-          </p:nvPr>
-        </p:nvSpPr>
-        <p:spPr>
-          <a:xfrm>
-            <a:off x="1524000" y="1122363"/>
-            <a:ext cx="9144000" cy="2387600"/>
-          </a:xfrm>
-        </p:spPr>
-        <p:txBody>
-          <a:bodyPr anchor="b"/>
-          <a:lstStyle>
-            <a:lvl1pPr algn="ctr">
-              <a:defRPr sz="6000"/>
-            </a:lvl1pPr>
-          </a:lstStyle>
-          <a:p>
-            <a:r>
-              <a:rPr lang="en-US"/>
-              <a:t>Click to edit Master title style</a:t>
-            </a:r>
-          </a:p>
-        </p:txBody>
-      </p:sp>
-      <p:sp>
-        <p:nvSpPr>
-          <p:cNvPr id="3" name="Subtitle 2">
-            <a:extLst>
-              <a:ext uri="{FF2B5EF4-FFF2-40B4-BE49-F238E27FC236}">
-                <a16:creationId xmlns:a16="http://schemas.microsoft.com/office/drawing/2014/main" id="{84C25C00-5B52-1132-AF47-CF6E06DFF318}"/>
-              </a:ext>
-            </a:extLst>
-          </p:cNvPr>
-          <p:cNvSpPr>
-            <a:spLocks noGrp="1"/>
-          </p:cNvSpPr>
-          <p:nvPr>
-            <p:ph type="subTitle" idx="1"/>
-          </p:nvPr>
-        </p:nvSpPr>
-        <p:spPr>
-          <a:xfrm>
-            <a:off x="1524000" y="3602038"/>
-            <a:ext cx="9144000" cy="1655762"/>
-          </a:xfrm>
-        </p:spPr>
-        <p:txBody>
-          <a:bodyPr/>
-          <a:lstStyle>
-            <a:lvl1pPr marL="0" indent="0" algn="ctr">
-              <a:buNone/>
-              <a:defRPr sz="2400"/>
-            </a:lvl1pPr>
-            <a:lvl2pPr marL="457200" indent="0" algn="ctr">
-              <a:buNone/>
-              <a:defRPr sz="2000"/>
-            </a:lvl2pPr>
-            <a:lvl3pPr marL="914400" indent="0" algn="ctr">
-              <a:buNone/>
-              <a:defRPr sz="1800"/>
-            </a:lvl3pPr>
-            <a:lvl4pPr marL="1371600" indent="0" algn="ctr">
-              <a:buNone/>
-              <a:defRPr sz="1600"/>
-            </a:lvl4pPr>
-            <a:lvl5pPr marL="1828800" indent="0" algn="ctr">
-              <a:buNone/>
-              <a:defRPr sz="1600"/>
-            </a:lvl5pPr>
-            <a:lvl6pPr marL="2286000" indent="0" algn="ctr">
-              <a:buNone/>
-              <a:defRPr sz="1600"/>
-            </a:lvl6pPr>
-            <a:lvl7pPr marL="2743200" indent="0" algn="ctr">
-              <a:buNone/>
-              <a:defRPr sz="1600"/>
-            </a:lvl7pPr>
-            <a:lvl8pPr marL="3200400" indent="0" algn="ctr">
-              <a:buNone/>
-              <a:defRPr sz="1600"/>
-            </a:lvl8pPr>
-            <a:lvl9pPr marL="3657600" indent="0" algn="ctr">
-              <a:buNone/>
-              <a:defRPr sz="1600"/>
-            </a:lvl9pPr>
-          </a:lstStyle>
-          <a:p>
-            <a:r>
-              <a:rPr lang="en-US"/>
-              <a:t>Click to edit Master subtitle style</a:t>
-            </a:r>
-          </a:p>
-        </p:txBody>
-      </p:sp>
-      <p:sp>
-        <p:nvSpPr>
-          <p:cNvPr id="4" name="Date Placeholder 3">
-            <a:extLst>
-              <a:ext uri="{FF2B5EF4-FFF2-40B4-BE49-F238E27FC236}">
-                <a16:creationId xmlns:a16="http://schemas.microsoft.com/office/drawing/2014/main" id="{4904D67A-7F15-286B-F584-50B6EEA64FEB}"/>
-              </a:ext>
-            </a:extLst>
-          </p:cNvPr>
-          <p:cNvSpPr>
-            <a:spLocks noGrp="1"/>
-          </p:cNvSpPr>
-          <p:nvPr>
-            <p:ph type="dt" sz="half" idx="10"/>
-          </p:nvPr>
-        </p:nvSpPr>
-        <p:spPr/>
-        <p:txBody>
-          <a:bodyPr/>
-          <a:lstStyle/>
-          <a:p>
-            <a:fld id="{DF9E2E06-C4CD-42EC-A5CF-3686BAD2E9B8}" type="datetimeFigureOut">
-              <a:rPr lang="en-US" smtClean="0"/>
-              <a:t>6/13/2024</a:t>
-            </a:fld>
-            <a:endParaRPr lang="en-US"/>
-          </a:p>
-        </p:txBody>
-      </p:sp>
-      <p:sp>
-        <p:nvSpPr>
-          <p:cNvPr id="5" name="Footer Placeholder 4">
-            <a:extLst>
-              <a:ext uri="{FF2B5EF4-FFF2-40B4-BE49-F238E27FC236}">
-                <a16:creationId xmlns:a16="http://schemas.microsoft.com/office/drawing/2014/main" id="{4F044BF7-6489-9CE3-D9A6-74CD06B7962E}"/>
-              </a:ext>
-            </a:extLst>
-          </p:cNvPr>
-          <p:cNvSpPr>
-            <a:spLocks noGrp="1"/>
-          </p:cNvSpPr>
-          <p:nvPr>
-            <p:ph type="ftr" sz="quarter" idx="11"/>
-          </p:nvPr>
-        </p:nvSpPr>
-        <p:spPr/>
-        <p:txBody>
-          <a:bodyPr/>
-          <a:lstStyle/>
-          <a:p>
-            <a:endParaRPr lang="en-US"/>
-          </a:p>
-        </p:txBody>
-      </p:sp>
-      <p:sp>
-        <p:nvSpPr>
-          <p:cNvPr id="6" name="Slide Number Placeholder 5">
-            <a:extLst>
-              <a:ext uri="{FF2B5EF4-FFF2-40B4-BE49-F238E27FC236}">
-                <a16:creationId xmlns:a16="http://schemas.microsoft.com/office/drawing/2014/main" id="{30A4BAB8-68B9-DEB7-EA70-62E09A5590EB}"/>
-              </a:ext>
-            </a:extLst>
-          </p:cNvPr>
-          <p:cNvSpPr>
-            <a:spLocks noGrp="1"/>
-          </p:cNvSpPr>
-          <p:nvPr>
-            <p:ph type="sldNum" sz="quarter" idx="12"/>
-          </p:nvPr>
-        </p:nvSpPr>
-        <p:spPr/>
-        <p:txBody>
-          <a:bodyPr/>
-          <a:lstStyle/>
-          <a:p>
-            <a:fld id="{257B57EB-B6AF-4CCC-807D-FFAEB829FADF}" type="slidenum">
-              <a:rPr lang="en-US" smtClean="0"/>
-              <a:t>‹#›</a:t>
-            </a:fld>
-            <a:endParaRPr lang="en-US"/>
-          </a:p>
-        </p:txBody>
-      </p:sp>
     </p:spTree>
     <p:extLst>
       <p:ext uri="{BB962C8B-B14F-4D97-AF65-F5344CB8AC3E}">
-        <p14:creationId xmlns:p14="http://schemas.microsoft.com/office/powerpoint/2010/main" val="141384692"/>
+        <p14:creationId xmlns:p14="http://schemas.microsoft.com/office/powerpoint/2010/main" val="2903089904"/>
       </p:ext>
     </p:extLst>
   </p:cSld>
@@ -402,7 +313,7 @@
           <p:cNvPr id="2" name="Title 1">
             <a:extLst>
               <a:ext uri="{FF2B5EF4-FFF2-40B4-BE49-F238E27FC236}">
-                <a16:creationId xmlns:a16="http://schemas.microsoft.com/office/drawing/2014/main" id="{839F077E-E52C-CD46-9D7B-2513EF97565D}"/>
+                <a16:creationId xmlns:a16="http://schemas.microsoft.com/office/drawing/2014/main" id="{A2992E9E-93C1-7E84-A4D5-EA127AB4BDC1}"/>
               </a:ext>
             </a:extLst>
           </p:cNvPr>
@@ -413,7 +324,15 @@
             <p:ph type="title"/>
           </p:nvPr>
         </p:nvSpPr>
-        <p:spPr/>
+        <p:spPr>
+          <a:xfrm>
+            <a:off x="602787" y="1498382"/>
+            <a:ext cx="10515600" cy="1325563"/>
+          </a:xfrm>
+          <a:prstGeom prst="rect">
+            <a:avLst/>
+          </a:prstGeom>
+        </p:spPr>
         <p:txBody>
           <a:bodyPr/>
           <a:lstStyle/>
@@ -430,7 +349,7 @@
           <p:cNvPr id="3" name="Vertical Text Placeholder 2">
             <a:extLst>
               <a:ext uri="{FF2B5EF4-FFF2-40B4-BE49-F238E27FC236}">
-                <a16:creationId xmlns:a16="http://schemas.microsoft.com/office/drawing/2014/main" id="{CE80D776-A1D8-6552-F5FE-FA2F4CA5DD40}"/>
+                <a16:creationId xmlns:a16="http://schemas.microsoft.com/office/drawing/2014/main" id="{FBFF1E9B-EE9D-9A7E-EE97-87C838D9BB2F}"/>
               </a:ext>
             </a:extLst>
           </p:cNvPr>
@@ -441,7 +360,15 @@
             <p:ph type="body" orient="vert" idx="1"/>
           </p:nvPr>
         </p:nvSpPr>
-        <p:spPr/>
+        <p:spPr>
+          <a:xfrm>
+            <a:off x="838200" y="1825625"/>
+            <a:ext cx="10515600" cy="4351338"/>
+          </a:xfrm>
+          <a:prstGeom prst="rect">
+            <a:avLst/>
+          </a:prstGeom>
+        </p:spPr>
         <p:txBody>
           <a:bodyPr vert="eaVert"/>
           <a:lstStyle/>
@@ -487,7 +414,7 @@
           <p:cNvPr id="4" name="Date Placeholder 3">
             <a:extLst>
               <a:ext uri="{FF2B5EF4-FFF2-40B4-BE49-F238E27FC236}">
-                <a16:creationId xmlns:a16="http://schemas.microsoft.com/office/drawing/2014/main" id="{7E5543E8-E14C-D684-CC59-E55389D45A93}"/>
+                <a16:creationId xmlns:a16="http://schemas.microsoft.com/office/drawing/2014/main" id="{450DA212-C93A-3075-FD32-156F351E64D4}"/>
               </a:ext>
             </a:extLst>
           </p:cNvPr>
@@ -498,14 +425,22 @@
             <p:ph type="dt" sz="half" idx="10"/>
           </p:nvPr>
         </p:nvSpPr>
-        <p:spPr/>
-        <p:txBody>
-          <a:bodyPr/>
-          <a:lstStyle/>
-          <a:p>
-            <a:fld id="{DF9E2E06-C4CD-42EC-A5CF-3686BAD2E9B8}" type="datetimeFigureOut">
+        <p:spPr>
+          <a:xfrm>
+            <a:off x="838200" y="6445249"/>
+            <a:ext cx="2743200" cy="365125"/>
+          </a:xfrm>
+          <a:prstGeom prst="rect">
+            <a:avLst/>
+          </a:prstGeom>
+        </p:spPr>
+        <p:txBody>
+          <a:bodyPr/>
+          <a:lstStyle/>
+          <a:p>
+            <a:fld id="{71087A05-F855-4434-8DDE-39A8542098A6}" type="datetimeFigureOut">
               <a:rPr lang="en-US" smtClean="0"/>
-              <a:t>6/13/2024</a:t>
+              <a:t>11/21/2024</a:t>
             </a:fld>
             <a:endParaRPr lang="en-US"/>
           </a:p>
@@ -516,7 +451,7 @@
           <p:cNvPr id="5" name="Footer Placeholder 4">
             <a:extLst>
               <a:ext uri="{FF2B5EF4-FFF2-40B4-BE49-F238E27FC236}">
-                <a16:creationId xmlns:a16="http://schemas.microsoft.com/office/drawing/2014/main" id="{94B66E9F-FCDE-AA33-CE67-2F8B7CF7D8CD}"/>
+                <a16:creationId xmlns:a16="http://schemas.microsoft.com/office/drawing/2014/main" id="{D6AA4E94-35D9-7831-A0BB-9A28BFA422BE}"/>
               </a:ext>
             </a:extLst>
           </p:cNvPr>
@@ -527,7 +462,15 @@
             <p:ph type="ftr" sz="quarter" idx="11"/>
           </p:nvPr>
         </p:nvSpPr>
-        <p:spPr/>
+        <p:spPr>
+          <a:xfrm>
+            <a:off x="4038600" y="6356350"/>
+            <a:ext cx="4114800" cy="365125"/>
+          </a:xfrm>
+          <a:prstGeom prst="rect">
+            <a:avLst/>
+          </a:prstGeom>
+        </p:spPr>
         <p:txBody>
           <a:bodyPr/>
           <a:lstStyle/>
@@ -541,7 +484,7 @@
           <p:cNvPr id="6" name="Slide Number Placeholder 5">
             <a:extLst>
               <a:ext uri="{FF2B5EF4-FFF2-40B4-BE49-F238E27FC236}">
-                <a16:creationId xmlns:a16="http://schemas.microsoft.com/office/drawing/2014/main" id="{9129CAE3-8324-5DAE-1F3E-D3830AED89BC}"/>
+                <a16:creationId xmlns:a16="http://schemas.microsoft.com/office/drawing/2014/main" id="{2E0B5BE5-01BB-5041-6101-F169276B2397}"/>
               </a:ext>
             </a:extLst>
           </p:cNvPr>
@@ -552,12 +495,20 @@
             <p:ph type="sldNum" sz="quarter" idx="12"/>
           </p:nvPr>
         </p:nvSpPr>
-        <p:spPr/>
-        <p:txBody>
-          <a:bodyPr/>
-          <a:lstStyle/>
-          <a:p>
-            <a:fld id="{257B57EB-B6AF-4CCC-807D-FFAEB829FADF}" type="slidenum">
+        <p:spPr>
+          <a:xfrm>
+            <a:off x="8610600" y="6356350"/>
+            <a:ext cx="2743200" cy="365125"/>
+          </a:xfrm>
+          <a:prstGeom prst="rect">
+            <a:avLst/>
+          </a:prstGeom>
+        </p:spPr>
+        <p:txBody>
+          <a:bodyPr/>
+          <a:lstStyle/>
+          <a:p>
+            <a:fld id="{6C0014F0-3D1D-4459-A530-32E6C19AE461}" type="slidenum">
               <a:rPr lang="en-US" smtClean="0"/>
               <a:t>‹#›</a:t>
             </a:fld>
@@ -568,7 +519,7 @@
     </p:spTree>
     <p:extLst>
       <p:ext uri="{BB962C8B-B14F-4D97-AF65-F5344CB8AC3E}">
-        <p14:creationId xmlns:p14="http://schemas.microsoft.com/office/powerpoint/2010/main" val="1722452329"/>
+        <p14:creationId xmlns:p14="http://schemas.microsoft.com/office/powerpoint/2010/main" val="3058523283"/>
       </p:ext>
     </p:extLst>
   </p:cSld>
@@ -600,7 +551,7 @@
           <p:cNvPr id="2" name="Vertical Title 1">
             <a:extLst>
               <a:ext uri="{FF2B5EF4-FFF2-40B4-BE49-F238E27FC236}">
-                <a16:creationId xmlns:a16="http://schemas.microsoft.com/office/drawing/2014/main" id="{F0ACA351-998A-E06F-D2EA-35730367481F}"/>
+                <a16:creationId xmlns:a16="http://schemas.microsoft.com/office/drawing/2014/main" id="{B7D370E5-4104-4DF4-CE6F-43777E948DFD}"/>
               </a:ext>
             </a:extLst>
           </p:cNvPr>
@@ -616,6 +567,9 @@
             <a:off x="8724900" y="365125"/>
             <a:ext cx="2628900" cy="5811838"/>
           </a:xfrm>
+          <a:prstGeom prst="rect">
+            <a:avLst/>
+          </a:prstGeom>
         </p:spPr>
         <p:txBody>
           <a:bodyPr vert="eaVert"/>
@@ -633,7 +587,7 @@
           <p:cNvPr id="3" name="Vertical Text Placeholder 2">
             <a:extLst>
               <a:ext uri="{FF2B5EF4-FFF2-40B4-BE49-F238E27FC236}">
-                <a16:creationId xmlns:a16="http://schemas.microsoft.com/office/drawing/2014/main" id="{02965075-8035-CEA7-D731-28392B954AD6}"/>
+                <a16:creationId xmlns:a16="http://schemas.microsoft.com/office/drawing/2014/main" id="{3CEA6D81-DFD1-D8AC-EC26-DC0557526EE4}"/>
               </a:ext>
             </a:extLst>
           </p:cNvPr>
@@ -649,6 +603,9 @@
             <a:off x="838200" y="365125"/>
             <a:ext cx="7734300" cy="5811838"/>
           </a:xfrm>
+          <a:prstGeom prst="rect">
+            <a:avLst/>
+          </a:prstGeom>
         </p:spPr>
         <p:txBody>
           <a:bodyPr vert="eaVert"/>
@@ -695,7 +652,7 @@
           <p:cNvPr id="4" name="Date Placeholder 3">
             <a:extLst>
               <a:ext uri="{FF2B5EF4-FFF2-40B4-BE49-F238E27FC236}">
-                <a16:creationId xmlns:a16="http://schemas.microsoft.com/office/drawing/2014/main" id="{4F9CBCF2-C561-F138-C090-6DD198D60CF2}"/>
+                <a16:creationId xmlns:a16="http://schemas.microsoft.com/office/drawing/2014/main" id="{60E27890-E421-871D-9D4F-F7E5B558B71E}"/>
               </a:ext>
             </a:extLst>
           </p:cNvPr>
@@ -706,14 +663,22 @@
             <p:ph type="dt" sz="half" idx="10"/>
           </p:nvPr>
         </p:nvSpPr>
-        <p:spPr/>
-        <p:txBody>
-          <a:bodyPr/>
-          <a:lstStyle/>
-          <a:p>
-            <a:fld id="{DF9E2E06-C4CD-42EC-A5CF-3686BAD2E9B8}" type="datetimeFigureOut">
+        <p:spPr>
+          <a:xfrm>
+            <a:off x="838200" y="6445249"/>
+            <a:ext cx="2743200" cy="365125"/>
+          </a:xfrm>
+          <a:prstGeom prst="rect">
+            <a:avLst/>
+          </a:prstGeom>
+        </p:spPr>
+        <p:txBody>
+          <a:bodyPr/>
+          <a:lstStyle/>
+          <a:p>
+            <a:fld id="{71087A05-F855-4434-8DDE-39A8542098A6}" type="datetimeFigureOut">
               <a:rPr lang="en-US" smtClean="0"/>
-              <a:t>6/13/2024</a:t>
+              <a:t>11/21/2024</a:t>
             </a:fld>
             <a:endParaRPr lang="en-US"/>
           </a:p>
@@ -724,7 +689,7 @@
           <p:cNvPr id="5" name="Footer Placeholder 4">
             <a:extLst>
               <a:ext uri="{FF2B5EF4-FFF2-40B4-BE49-F238E27FC236}">
-                <a16:creationId xmlns:a16="http://schemas.microsoft.com/office/drawing/2014/main" id="{72B9871A-5246-3AAD-CF8D-EF09A0916220}"/>
+                <a16:creationId xmlns:a16="http://schemas.microsoft.com/office/drawing/2014/main" id="{B7A93CF4-905B-F31B-69BD-9BEBF9008D86}"/>
               </a:ext>
             </a:extLst>
           </p:cNvPr>
@@ -735,7 +700,15 @@
             <p:ph type="ftr" sz="quarter" idx="11"/>
           </p:nvPr>
         </p:nvSpPr>
-        <p:spPr/>
+        <p:spPr>
+          <a:xfrm>
+            <a:off x="4038600" y="6356350"/>
+            <a:ext cx="4114800" cy="365125"/>
+          </a:xfrm>
+          <a:prstGeom prst="rect">
+            <a:avLst/>
+          </a:prstGeom>
+        </p:spPr>
         <p:txBody>
           <a:bodyPr/>
           <a:lstStyle/>
@@ -749,7 +722,7 @@
           <p:cNvPr id="6" name="Slide Number Placeholder 5">
             <a:extLst>
               <a:ext uri="{FF2B5EF4-FFF2-40B4-BE49-F238E27FC236}">
-                <a16:creationId xmlns:a16="http://schemas.microsoft.com/office/drawing/2014/main" id="{200D562C-3EF2-68B3-FCBD-A0D110CC7BE1}"/>
+                <a16:creationId xmlns:a16="http://schemas.microsoft.com/office/drawing/2014/main" id="{B9BD2B1C-442A-F5C9-9AEB-F9DE0158660F}"/>
               </a:ext>
             </a:extLst>
           </p:cNvPr>
@@ -760,12 +733,20 @@
             <p:ph type="sldNum" sz="quarter" idx="12"/>
           </p:nvPr>
         </p:nvSpPr>
-        <p:spPr/>
-        <p:txBody>
-          <a:bodyPr/>
-          <a:lstStyle/>
-          <a:p>
-            <a:fld id="{257B57EB-B6AF-4CCC-807D-FFAEB829FADF}" type="slidenum">
+        <p:spPr>
+          <a:xfrm>
+            <a:off x="8610600" y="6356350"/>
+            <a:ext cx="2743200" cy="365125"/>
+          </a:xfrm>
+          <a:prstGeom prst="rect">
+            <a:avLst/>
+          </a:prstGeom>
+        </p:spPr>
+        <p:txBody>
+          <a:bodyPr/>
+          <a:lstStyle/>
+          <a:p>
+            <a:fld id="{6C0014F0-3D1D-4459-A530-32E6C19AE461}" type="slidenum">
               <a:rPr lang="en-US" smtClean="0"/>
               <a:t>‹#›</a:t>
             </a:fld>
@@ -776,7 +757,7 @@
     </p:spTree>
     <p:extLst>
       <p:ext uri="{BB962C8B-B14F-4D97-AF65-F5344CB8AC3E}">
-        <p14:creationId xmlns:p14="http://schemas.microsoft.com/office/powerpoint/2010/main" val="2269303725"/>
+        <p14:creationId xmlns:p14="http://schemas.microsoft.com/office/powerpoint/2010/main" val="4080666653"/>
       </p:ext>
     </p:extLst>
   </p:cSld>
@@ -787,6 +768,226 @@
 </file>
 
 <file path=ppt/slideLayouts/slideLayout12.xml><?xml version="1.0" encoding="utf-8"?>
+<p:sldLayout xmlns:a="http://schemas.openxmlformats.org/drawingml/2006/main" xmlns:r="http://schemas.openxmlformats.org/officeDocument/2006/relationships" xmlns:p="http://schemas.openxmlformats.org/presentationml/2006/main" type="title" preserve="1">
+  <p:cSld name="Title Slide">
+    <p:spTree>
+      <p:nvGrpSpPr>
+        <p:cNvPr id="1" name=""/>
+        <p:cNvGrpSpPr/>
+        <p:nvPr/>
+      </p:nvGrpSpPr>
+      <p:grpSpPr>
+        <a:xfrm>
+          <a:off x="0" y="0"/>
+          <a:ext cx="0" cy="0"/>
+          <a:chOff x="0" y="0"/>
+          <a:chExt cx="0" cy="0"/>
+        </a:xfrm>
+      </p:grpSpPr>
+      <p:sp>
+        <p:nvSpPr>
+          <p:cNvPr id="2" name="Title 1">
+            <a:extLst>
+              <a:ext uri="{FF2B5EF4-FFF2-40B4-BE49-F238E27FC236}">
+                <a16:creationId xmlns:a16="http://schemas.microsoft.com/office/drawing/2014/main" id="{D000D2D3-DCB5-C920-77CD-7606F5E6369D}"/>
+              </a:ext>
+            </a:extLst>
+          </p:cNvPr>
+          <p:cNvSpPr>
+            <a:spLocks noGrp="1"/>
+          </p:cNvSpPr>
+          <p:nvPr>
+            <p:ph type="ctrTitle"/>
+          </p:nvPr>
+        </p:nvSpPr>
+        <p:spPr>
+          <a:xfrm>
+            <a:off x="1524000" y="1122363"/>
+            <a:ext cx="9144000" cy="2387600"/>
+          </a:xfrm>
+        </p:spPr>
+        <p:txBody>
+          <a:bodyPr anchor="b"/>
+          <a:lstStyle>
+            <a:lvl1pPr algn="ctr">
+              <a:defRPr sz="6000"/>
+            </a:lvl1pPr>
+          </a:lstStyle>
+          <a:p>
+            <a:r>
+              <a:rPr lang="en-US"/>
+              <a:t>Click to edit Master title style</a:t>
+            </a:r>
+          </a:p>
+        </p:txBody>
+      </p:sp>
+      <p:sp>
+        <p:nvSpPr>
+          <p:cNvPr id="3" name="Subtitle 2">
+            <a:extLst>
+              <a:ext uri="{FF2B5EF4-FFF2-40B4-BE49-F238E27FC236}">
+                <a16:creationId xmlns:a16="http://schemas.microsoft.com/office/drawing/2014/main" id="{84C25C00-5B52-1132-AF47-CF6E06DFF318}"/>
+              </a:ext>
+            </a:extLst>
+          </p:cNvPr>
+          <p:cNvSpPr>
+            <a:spLocks noGrp="1"/>
+          </p:cNvSpPr>
+          <p:nvPr>
+            <p:ph type="subTitle" idx="1"/>
+          </p:nvPr>
+        </p:nvSpPr>
+        <p:spPr>
+          <a:xfrm>
+            <a:off x="1524000" y="3602038"/>
+            <a:ext cx="9144000" cy="1655762"/>
+          </a:xfrm>
+        </p:spPr>
+        <p:txBody>
+          <a:bodyPr/>
+          <a:lstStyle>
+            <a:lvl1pPr marL="0" indent="0" algn="ctr">
+              <a:buNone/>
+              <a:defRPr sz="2400"/>
+            </a:lvl1pPr>
+            <a:lvl2pPr marL="457200" indent="0" algn="ctr">
+              <a:buNone/>
+              <a:defRPr sz="2000"/>
+            </a:lvl2pPr>
+            <a:lvl3pPr marL="914400" indent="0" algn="ctr">
+              <a:buNone/>
+              <a:defRPr sz="1800"/>
+            </a:lvl3pPr>
+            <a:lvl4pPr marL="1371600" indent="0" algn="ctr">
+              <a:buNone/>
+              <a:defRPr sz="1600"/>
+            </a:lvl4pPr>
+            <a:lvl5pPr marL="1828800" indent="0" algn="ctr">
+              <a:buNone/>
+              <a:defRPr sz="1600"/>
+            </a:lvl5pPr>
+            <a:lvl6pPr marL="2286000" indent="0" algn="ctr">
+              <a:buNone/>
+              <a:defRPr sz="1600"/>
+            </a:lvl6pPr>
+            <a:lvl7pPr marL="2743200" indent="0" algn="ctr">
+              <a:buNone/>
+              <a:defRPr sz="1600"/>
+            </a:lvl7pPr>
+            <a:lvl8pPr marL="3200400" indent="0" algn="ctr">
+              <a:buNone/>
+              <a:defRPr sz="1600"/>
+            </a:lvl8pPr>
+            <a:lvl9pPr marL="3657600" indent="0" algn="ctr">
+              <a:buNone/>
+              <a:defRPr sz="1600"/>
+            </a:lvl9pPr>
+          </a:lstStyle>
+          <a:p>
+            <a:r>
+              <a:rPr lang="en-US"/>
+              <a:t>Click to edit Master subtitle style</a:t>
+            </a:r>
+          </a:p>
+        </p:txBody>
+      </p:sp>
+      <p:sp>
+        <p:nvSpPr>
+          <p:cNvPr id="4" name="Date Placeholder 3">
+            <a:extLst>
+              <a:ext uri="{FF2B5EF4-FFF2-40B4-BE49-F238E27FC236}">
+                <a16:creationId xmlns:a16="http://schemas.microsoft.com/office/drawing/2014/main" id="{4904D67A-7F15-286B-F584-50B6EEA64FEB}"/>
+              </a:ext>
+            </a:extLst>
+          </p:cNvPr>
+          <p:cNvSpPr>
+            <a:spLocks noGrp="1"/>
+          </p:cNvSpPr>
+          <p:nvPr>
+            <p:ph type="dt" sz="half" idx="10"/>
+          </p:nvPr>
+        </p:nvSpPr>
+        <p:spPr/>
+        <p:txBody>
+          <a:bodyPr/>
+          <a:lstStyle/>
+          <a:p>
+            <a:fld id="{DF9E2E06-C4CD-42EC-A5CF-3686BAD2E9B8}" type="datetimeFigureOut">
+              <a:rPr lang="en-US" smtClean="0"/>
+              <a:t>11/21/2024</a:t>
+            </a:fld>
+            <a:endParaRPr lang="en-US"/>
+          </a:p>
+        </p:txBody>
+      </p:sp>
+      <p:sp>
+        <p:nvSpPr>
+          <p:cNvPr id="5" name="Footer Placeholder 4">
+            <a:extLst>
+              <a:ext uri="{FF2B5EF4-FFF2-40B4-BE49-F238E27FC236}">
+                <a16:creationId xmlns:a16="http://schemas.microsoft.com/office/drawing/2014/main" id="{4F044BF7-6489-9CE3-D9A6-74CD06B7962E}"/>
+              </a:ext>
+            </a:extLst>
+          </p:cNvPr>
+          <p:cNvSpPr>
+            <a:spLocks noGrp="1"/>
+          </p:cNvSpPr>
+          <p:nvPr>
+            <p:ph type="ftr" sz="quarter" idx="11"/>
+          </p:nvPr>
+        </p:nvSpPr>
+        <p:spPr/>
+        <p:txBody>
+          <a:bodyPr/>
+          <a:lstStyle/>
+          <a:p>
+            <a:endParaRPr lang="en-US"/>
+          </a:p>
+        </p:txBody>
+      </p:sp>
+      <p:sp>
+        <p:nvSpPr>
+          <p:cNvPr id="6" name="Slide Number Placeholder 5">
+            <a:extLst>
+              <a:ext uri="{FF2B5EF4-FFF2-40B4-BE49-F238E27FC236}">
+                <a16:creationId xmlns:a16="http://schemas.microsoft.com/office/drawing/2014/main" id="{30A4BAB8-68B9-DEB7-EA70-62E09A5590EB}"/>
+              </a:ext>
+            </a:extLst>
+          </p:cNvPr>
+          <p:cNvSpPr>
+            <a:spLocks noGrp="1"/>
+          </p:cNvSpPr>
+          <p:nvPr>
+            <p:ph type="sldNum" sz="quarter" idx="12"/>
+          </p:nvPr>
+        </p:nvSpPr>
+        <p:spPr/>
+        <p:txBody>
+          <a:bodyPr/>
+          <a:lstStyle/>
+          <a:p>
+            <a:fld id="{257B57EB-B6AF-4CCC-807D-FFAEB829FADF}" type="slidenum">
+              <a:rPr lang="en-US" smtClean="0"/>
+              <a:t>‹#›</a:t>
+            </a:fld>
+            <a:endParaRPr lang="en-US"/>
+          </a:p>
+        </p:txBody>
+      </p:sp>
+    </p:spTree>
+    <p:extLst>
+      <p:ext uri="{BB962C8B-B14F-4D97-AF65-F5344CB8AC3E}">
+        <p14:creationId xmlns:p14="http://schemas.microsoft.com/office/powerpoint/2010/main" val="2871273611"/>
+      </p:ext>
+    </p:extLst>
+  </p:cSld>
+  <p:clrMapOvr>
+    <a:masterClrMapping/>
+  </p:clrMapOvr>
+</p:sldLayout>
+</file>
+
+<file path=ppt/slideLayouts/slideLayout13.xml><?xml version="1.0" encoding="utf-8"?>
 <p:sldLayout xmlns:a="http://schemas.openxmlformats.org/drawingml/2006/main" xmlns:r="http://schemas.openxmlformats.org/officeDocument/2006/relationships" xmlns:p="http://schemas.openxmlformats.org/presentationml/2006/main">
   <p:cSld name="Contents slide layout">
     <p:spTree>
@@ -857,7 +1058,7 @@
     </p:spTree>
     <p:extLst>
       <p:ext uri="{BB962C8B-B14F-4D97-AF65-F5344CB8AC3E}">
-        <p14:creationId xmlns:p14="http://schemas.microsoft.com/office/powerpoint/2010/main" val="2855964913"/>
+        <p14:creationId xmlns:p14="http://schemas.microsoft.com/office/powerpoint/2010/main" val="2087666209"/>
       </p:ext>
     </p:extLst>
   </p:cSld>
@@ -889,7 +1090,7 @@
           <p:cNvPr id="2" name="Title 1">
             <a:extLst>
               <a:ext uri="{FF2B5EF4-FFF2-40B4-BE49-F238E27FC236}">
-                <a16:creationId xmlns:a16="http://schemas.microsoft.com/office/drawing/2014/main" id="{4FEEF171-0DD1-DC02-8946-17836E3B8EED}"/>
+                <a16:creationId xmlns:a16="http://schemas.microsoft.com/office/drawing/2014/main" id="{6A54579A-6906-4E6D-591C-C727DF060739}"/>
               </a:ext>
             </a:extLst>
           </p:cNvPr>
@@ -900,7 +1101,15 @@
             <p:ph type="title"/>
           </p:nvPr>
         </p:nvSpPr>
-        <p:spPr/>
+        <p:spPr>
+          <a:xfrm>
+            <a:off x="602787" y="1498382"/>
+            <a:ext cx="10515600" cy="1325563"/>
+          </a:xfrm>
+          <a:prstGeom prst="rect">
+            <a:avLst/>
+          </a:prstGeom>
+        </p:spPr>
         <p:txBody>
           <a:bodyPr/>
           <a:lstStyle/>
@@ -917,7 +1126,7 @@
           <p:cNvPr id="3" name="Content Placeholder 2">
             <a:extLst>
               <a:ext uri="{FF2B5EF4-FFF2-40B4-BE49-F238E27FC236}">
-                <a16:creationId xmlns:a16="http://schemas.microsoft.com/office/drawing/2014/main" id="{197DCA28-2D07-3BEB-9AA7-B4E9C35AA76E}"/>
+                <a16:creationId xmlns:a16="http://schemas.microsoft.com/office/drawing/2014/main" id="{9C426EAA-227D-5ECA-282E-3A3B3C8AE97C}"/>
               </a:ext>
             </a:extLst>
           </p:cNvPr>
@@ -928,7 +1137,15 @@
             <p:ph idx="1"/>
           </p:nvPr>
         </p:nvSpPr>
-        <p:spPr/>
+        <p:spPr>
+          <a:xfrm>
+            <a:off x="838200" y="1825625"/>
+            <a:ext cx="10515600" cy="4351338"/>
+          </a:xfrm>
+          <a:prstGeom prst="rect">
+            <a:avLst/>
+          </a:prstGeom>
+        </p:spPr>
         <p:txBody>
           <a:bodyPr/>
           <a:lstStyle/>
@@ -974,7 +1191,7 @@
           <p:cNvPr id="4" name="Date Placeholder 3">
             <a:extLst>
               <a:ext uri="{FF2B5EF4-FFF2-40B4-BE49-F238E27FC236}">
-                <a16:creationId xmlns:a16="http://schemas.microsoft.com/office/drawing/2014/main" id="{DAABC6A1-2249-BBF6-FD85-D8034828C86B}"/>
+                <a16:creationId xmlns:a16="http://schemas.microsoft.com/office/drawing/2014/main" id="{7F651069-7D1F-49B9-3F01-D52A9F3A60B7}"/>
               </a:ext>
             </a:extLst>
           </p:cNvPr>
@@ -985,14 +1202,22 @@
             <p:ph type="dt" sz="half" idx="10"/>
           </p:nvPr>
         </p:nvSpPr>
-        <p:spPr/>
-        <p:txBody>
-          <a:bodyPr/>
-          <a:lstStyle/>
-          <a:p>
-            <a:fld id="{DF9E2E06-C4CD-42EC-A5CF-3686BAD2E9B8}" type="datetimeFigureOut">
+        <p:spPr>
+          <a:xfrm>
+            <a:off x="838200" y="6445249"/>
+            <a:ext cx="2743200" cy="365125"/>
+          </a:xfrm>
+          <a:prstGeom prst="rect">
+            <a:avLst/>
+          </a:prstGeom>
+        </p:spPr>
+        <p:txBody>
+          <a:bodyPr/>
+          <a:lstStyle/>
+          <a:p>
+            <a:fld id="{71087A05-F855-4434-8DDE-39A8542098A6}" type="datetimeFigureOut">
               <a:rPr lang="en-US" smtClean="0"/>
-              <a:t>6/13/2024</a:t>
+              <a:t>11/21/2024</a:t>
             </a:fld>
             <a:endParaRPr lang="en-US"/>
           </a:p>
@@ -1003,7 +1228,7 @@
           <p:cNvPr id="5" name="Footer Placeholder 4">
             <a:extLst>
               <a:ext uri="{FF2B5EF4-FFF2-40B4-BE49-F238E27FC236}">
-                <a16:creationId xmlns:a16="http://schemas.microsoft.com/office/drawing/2014/main" id="{440F01DA-E1CA-6091-9567-D7A86BBF1D1F}"/>
+                <a16:creationId xmlns:a16="http://schemas.microsoft.com/office/drawing/2014/main" id="{5756067D-C727-84C7-612B-F665F36170EE}"/>
               </a:ext>
             </a:extLst>
           </p:cNvPr>
@@ -1014,7 +1239,15 @@
             <p:ph type="ftr" sz="quarter" idx="11"/>
           </p:nvPr>
         </p:nvSpPr>
-        <p:spPr/>
+        <p:spPr>
+          <a:xfrm>
+            <a:off x="4038600" y="6356350"/>
+            <a:ext cx="4114800" cy="365125"/>
+          </a:xfrm>
+          <a:prstGeom prst="rect">
+            <a:avLst/>
+          </a:prstGeom>
+        </p:spPr>
         <p:txBody>
           <a:bodyPr/>
           <a:lstStyle/>
@@ -1028,7 +1261,7 @@
           <p:cNvPr id="6" name="Slide Number Placeholder 5">
             <a:extLst>
               <a:ext uri="{FF2B5EF4-FFF2-40B4-BE49-F238E27FC236}">
-                <a16:creationId xmlns:a16="http://schemas.microsoft.com/office/drawing/2014/main" id="{D43AB75F-D706-02DF-A711-11BDF5EF20D2}"/>
+                <a16:creationId xmlns:a16="http://schemas.microsoft.com/office/drawing/2014/main" id="{A3C64F88-1C59-3F79-931F-4F91F22F14D3}"/>
               </a:ext>
             </a:extLst>
           </p:cNvPr>
@@ -1039,12 +1272,20 @@
             <p:ph type="sldNum" sz="quarter" idx="12"/>
           </p:nvPr>
         </p:nvSpPr>
-        <p:spPr/>
-        <p:txBody>
-          <a:bodyPr/>
-          <a:lstStyle/>
-          <a:p>
-            <a:fld id="{257B57EB-B6AF-4CCC-807D-FFAEB829FADF}" type="slidenum">
+        <p:spPr>
+          <a:xfrm>
+            <a:off x="8610600" y="6356350"/>
+            <a:ext cx="2743200" cy="365125"/>
+          </a:xfrm>
+          <a:prstGeom prst="rect">
+            <a:avLst/>
+          </a:prstGeom>
+        </p:spPr>
+        <p:txBody>
+          <a:bodyPr/>
+          <a:lstStyle/>
+          <a:p>
+            <a:fld id="{6C0014F0-3D1D-4459-A530-32E6C19AE461}" type="slidenum">
               <a:rPr lang="en-US" smtClean="0"/>
               <a:t>‹#›</a:t>
             </a:fld>
@@ -1055,7 +1296,7 @@
     </p:spTree>
     <p:extLst>
       <p:ext uri="{BB962C8B-B14F-4D97-AF65-F5344CB8AC3E}">
-        <p14:creationId xmlns:p14="http://schemas.microsoft.com/office/powerpoint/2010/main" val="3296983540"/>
+        <p14:creationId xmlns:p14="http://schemas.microsoft.com/office/powerpoint/2010/main" val="3412372441"/>
       </p:ext>
     </p:extLst>
   </p:cSld>
@@ -1087,7 +1328,7 @@
           <p:cNvPr id="2" name="Title 1">
             <a:extLst>
               <a:ext uri="{FF2B5EF4-FFF2-40B4-BE49-F238E27FC236}">
-                <a16:creationId xmlns:a16="http://schemas.microsoft.com/office/drawing/2014/main" id="{4570366F-D7AD-BD84-E0B4-3B5095FCA99C}"/>
+                <a16:creationId xmlns:a16="http://schemas.microsoft.com/office/drawing/2014/main" id="{C2E67B73-4EBE-86E7-DEDC-379A7358D71A}"/>
               </a:ext>
             </a:extLst>
           </p:cNvPr>
@@ -1103,6 +1344,9 @@
             <a:off x="831850" y="1709738"/>
             <a:ext cx="10515600" cy="2852737"/>
           </a:xfrm>
+          <a:prstGeom prst="rect">
+            <a:avLst/>
+          </a:prstGeom>
         </p:spPr>
         <p:txBody>
           <a:bodyPr anchor="b"/>
@@ -1124,7 +1368,7 @@
           <p:cNvPr id="3" name="Text Placeholder 2">
             <a:extLst>
               <a:ext uri="{FF2B5EF4-FFF2-40B4-BE49-F238E27FC236}">
-                <a16:creationId xmlns:a16="http://schemas.microsoft.com/office/drawing/2014/main" id="{EF9B6991-283D-2110-113D-C78E58016958}"/>
+                <a16:creationId xmlns:a16="http://schemas.microsoft.com/office/drawing/2014/main" id="{39DC486F-4B2F-BAA7-822D-AF77A301C3EF}"/>
               </a:ext>
             </a:extLst>
           </p:cNvPr>
@@ -1140,6 +1384,9 @@
             <a:off x="831850" y="4589463"/>
             <a:ext cx="10515600" cy="1500187"/>
           </a:xfrm>
+          <a:prstGeom prst="rect">
+            <a:avLst/>
+          </a:prstGeom>
         </p:spPr>
         <p:txBody>
           <a:bodyPr/>
@@ -1149,7 +1396,7 @@
               <a:defRPr sz="2400">
                 <a:solidFill>
                   <a:schemeClr val="tx1">
-                    <a:tint val="75000"/>
+                    <a:tint val="82000"/>
                   </a:schemeClr>
                 </a:solidFill>
               </a:defRPr>
@@ -1159,7 +1406,7 @@
               <a:defRPr sz="2000">
                 <a:solidFill>
                   <a:schemeClr val="tx1">
-                    <a:tint val="75000"/>
+                    <a:tint val="82000"/>
                   </a:schemeClr>
                 </a:solidFill>
               </a:defRPr>
@@ -1169,7 +1416,7 @@
               <a:defRPr sz="1800">
                 <a:solidFill>
                   <a:schemeClr val="tx1">
-                    <a:tint val="75000"/>
+                    <a:tint val="82000"/>
                   </a:schemeClr>
                 </a:solidFill>
               </a:defRPr>
@@ -1179,7 +1426,7 @@
               <a:defRPr sz="1600">
                 <a:solidFill>
                   <a:schemeClr val="tx1">
-                    <a:tint val="75000"/>
+                    <a:tint val="82000"/>
                   </a:schemeClr>
                 </a:solidFill>
               </a:defRPr>
@@ -1189,7 +1436,7 @@
               <a:defRPr sz="1600">
                 <a:solidFill>
                   <a:schemeClr val="tx1">
-                    <a:tint val="75000"/>
+                    <a:tint val="82000"/>
                   </a:schemeClr>
                 </a:solidFill>
               </a:defRPr>
@@ -1199,7 +1446,7 @@
               <a:defRPr sz="1600">
                 <a:solidFill>
                   <a:schemeClr val="tx1">
-                    <a:tint val="75000"/>
+                    <a:tint val="82000"/>
                   </a:schemeClr>
                 </a:solidFill>
               </a:defRPr>
@@ -1209,7 +1456,7 @@
               <a:defRPr sz="1600">
                 <a:solidFill>
                   <a:schemeClr val="tx1">
-                    <a:tint val="75000"/>
+                    <a:tint val="82000"/>
                   </a:schemeClr>
                 </a:solidFill>
               </a:defRPr>
@@ -1219,7 +1466,7 @@
               <a:defRPr sz="1600">
                 <a:solidFill>
                   <a:schemeClr val="tx1">
-                    <a:tint val="75000"/>
+                    <a:tint val="82000"/>
                   </a:schemeClr>
                 </a:solidFill>
               </a:defRPr>
@@ -1229,7 +1476,7 @@
               <a:defRPr sz="1600">
                 <a:solidFill>
                   <a:schemeClr val="tx1">
-                    <a:tint val="75000"/>
+                    <a:tint val="82000"/>
                   </a:schemeClr>
                 </a:solidFill>
               </a:defRPr>
@@ -1249,7 +1496,7 @@
           <p:cNvPr id="4" name="Date Placeholder 3">
             <a:extLst>
               <a:ext uri="{FF2B5EF4-FFF2-40B4-BE49-F238E27FC236}">
-                <a16:creationId xmlns:a16="http://schemas.microsoft.com/office/drawing/2014/main" id="{09AD65C9-F15B-AD23-0C32-D6E66CEAF7E0}"/>
+                <a16:creationId xmlns:a16="http://schemas.microsoft.com/office/drawing/2014/main" id="{AC1AB7C3-5E85-3B9F-4177-A1AF2AB486D8}"/>
               </a:ext>
             </a:extLst>
           </p:cNvPr>
@@ -1260,14 +1507,22 @@
             <p:ph type="dt" sz="half" idx="10"/>
           </p:nvPr>
         </p:nvSpPr>
-        <p:spPr/>
-        <p:txBody>
-          <a:bodyPr/>
-          <a:lstStyle/>
-          <a:p>
-            <a:fld id="{DF9E2E06-C4CD-42EC-A5CF-3686BAD2E9B8}" type="datetimeFigureOut">
+        <p:spPr>
+          <a:xfrm>
+            <a:off x="838200" y="6445249"/>
+            <a:ext cx="2743200" cy="365125"/>
+          </a:xfrm>
+          <a:prstGeom prst="rect">
+            <a:avLst/>
+          </a:prstGeom>
+        </p:spPr>
+        <p:txBody>
+          <a:bodyPr/>
+          <a:lstStyle/>
+          <a:p>
+            <a:fld id="{71087A05-F855-4434-8DDE-39A8542098A6}" type="datetimeFigureOut">
               <a:rPr lang="en-US" smtClean="0"/>
-              <a:t>6/13/2024</a:t>
+              <a:t>11/21/2024</a:t>
             </a:fld>
             <a:endParaRPr lang="en-US"/>
           </a:p>
@@ -1278,7 +1533,7 @@
           <p:cNvPr id="5" name="Footer Placeholder 4">
             <a:extLst>
               <a:ext uri="{FF2B5EF4-FFF2-40B4-BE49-F238E27FC236}">
-                <a16:creationId xmlns:a16="http://schemas.microsoft.com/office/drawing/2014/main" id="{717B9A0C-BD19-8402-4CB3-8A07FFF47D12}"/>
+                <a16:creationId xmlns:a16="http://schemas.microsoft.com/office/drawing/2014/main" id="{8950E3CD-02DB-7A08-79DC-74CA926DE70F}"/>
               </a:ext>
             </a:extLst>
           </p:cNvPr>
@@ -1289,7 +1544,15 @@
             <p:ph type="ftr" sz="quarter" idx="11"/>
           </p:nvPr>
         </p:nvSpPr>
-        <p:spPr/>
+        <p:spPr>
+          <a:xfrm>
+            <a:off x="4038600" y="6356350"/>
+            <a:ext cx="4114800" cy="365125"/>
+          </a:xfrm>
+          <a:prstGeom prst="rect">
+            <a:avLst/>
+          </a:prstGeom>
+        </p:spPr>
         <p:txBody>
           <a:bodyPr/>
           <a:lstStyle/>
@@ -1303,7 +1566,7 @@
           <p:cNvPr id="6" name="Slide Number Placeholder 5">
             <a:extLst>
               <a:ext uri="{FF2B5EF4-FFF2-40B4-BE49-F238E27FC236}">
-                <a16:creationId xmlns:a16="http://schemas.microsoft.com/office/drawing/2014/main" id="{74440388-2226-73BC-AD3E-160119025EC5}"/>
+                <a16:creationId xmlns:a16="http://schemas.microsoft.com/office/drawing/2014/main" id="{78D6A67F-8469-E8AB-D35D-DEC64EA01BF9}"/>
               </a:ext>
             </a:extLst>
           </p:cNvPr>
@@ -1314,12 +1577,20 @@
             <p:ph type="sldNum" sz="quarter" idx="12"/>
           </p:nvPr>
         </p:nvSpPr>
-        <p:spPr/>
-        <p:txBody>
-          <a:bodyPr/>
-          <a:lstStyle/>
-          <a:p>
-            <a:fld id="{257B57EB-B6AF-4CCC-807D-FFAEB829FADF}" type="slidenum">
+        <p:spPr>
+          <a:xfrm>
+            <a:off x="8610600" y="6356350"/>
+            <a:ext cx="2743200" cy="365125"/>
+          </a:xfrm>
+          <a:prstGeom prst="rect">
+            <a:avLst/>
+          </a:prstGeom>
+        </p:spPr>
+        <p:txBody>
+          <a:bodyPr/>
+          <a:lstStyle/>
+          <a:p>
+            <a:fld id="{6C0014F0-3D1D-4459-A530-32E6C19AE461}" type="slidenum">
               <a:rPr lang="en-US" smtClean="0"/>
               <a:t>‹#›</a:t>
             </a:fld>
@@ -1330,7 +1601,7 @@
     </p:spTree>
     <p:extLst>
       <p:ext uri="{BB962C8B-B14F-4D97-AF65-F5344CB8AC3E}">
-        <p14:creationId xmlns:p14="http://schemas.microsoft.com/office/powerpoint/2010/main" val="3710647003"/>
+        <p14:creationId xmlns:p14="http://schemas.microsoft.com/office/powerpoint/2010/main" val="2389875780"/>
       </p:ext>
     </p:extLst>
   </p:cSld>
@@ -1362,7 +1633,7 @@
           <p:cNvPr id="2" name="Title 1">
             <a:extLst>
               <a:ext uri="{FF2B5EF4-FFF2-40B4-BE49-F238E27FC236}">
-                <a16:creationId xmlns:a16="http://schemas.microsoft.com/office/drawing/2014/main" id="{9687F10E-443F-CCD9-6DDE-E967CDBE4E86}"/>
+                <a16:creationId xmlns:a16="http://schemas.microsoft.com/office/drawing/2014/main" id="{BFB01EF5-6F0D-8686-CDD5-7DB43C9F613E}"/>
               </a:ext>
             </a:extLst>
           </p:cNvPr>
@@ -1373,7 +1644,15 @@
             <p:ph type="title"/>
           </p:nvPr>
         </p:nvSpPr>
-        <p:spPr/>
+        <p:spPr>
+          <a:xfrm>
+            <a:off x="602787" y="1498382"/>
+            <a:ext cx="10515600" cy="1325563"/>
+          </a:xfrm>
+          <a:prstGeom prst="rect">
+            <a:avLst/>
+          </a:prstGeom>
+        </p:spPr>
         <p:txBody>
           <a:bodyPr/>
           <a:lstStyle/>
@@ -1390,7 +1669,7 @@
           <p:cNvPr id="3" name="Content Placeholder 2">
             <a:extLst>
               <a:ext uri="{FF2B5EF4-FFF2-40B4-BE49-F238E27FC236}">
-                <a16:creationId xmlns:a16="http://schemas.microsoft.com/office/drawing/2014/main" id="{469CF176-2C71-BC77-7A4E-7CC7D7228995}"/>
+                <a16:creationId xmlns:a16="http://schemas.microsoft.com/office/drawing/2014/main" id="{2ED595E2-3C65-7E01-6223-574BF8FB8119}"/>
               </a:ext>
             </a:extLst>
           </p:cNvPr>
@@ -1406,6 +1685,9 @@
             <a:off x="838200" y="1825625"/>
             <a:ext cx="5181600" cy="4351338"/>
           </a:xfrm>
+          <a:prstGeom prst="rect">
+            <a:avLst/>
+          </a:prstGeom>
         </p:spPr>
         <p:txBody>
           <a:bodyPr/>
@@ -1452,7 +1734,7 @@
           <p:cNvPr id="4" name="Content Placeholder 3">
             <a:extLst>
               <a:ext uri="{FF2B5EF4-FFF2-40B4-BE49-F238E27FC236}">
-                <a16:creationId xmlns:a16="http://schemas.microsoft.com/office/drawing/2014/main" id="{D9CE5C28-6EA5-9502-CC12-B8020CA377DC}"/>
+                <a16:creationId xmlns:a16="http://schemas.microsoft.com/office/drawing/2014/main" id="{DFDA5243-FD59-824D-9801-C6A7FC40AD32}"/>
               </a:ext>
             </a:extLst>
           </p:cNvPr>
@@ -1468,6 +1750,9 @@
             <a:off x="6172200" y="1825625"/>
             <a:ext cx="5181600" cy="4351338"/>
           </a:xfrm>
+          <a:prstGeom prst="rect">
+            <a:avLst/>
+          </a:prstGeom>
         </p:spPr>
         <p:txBody>
           <a:bodyPr/>
@@ -1514,7 +1799,7 @@
           <p:cNvPr id="5" name="Date Placeholder 4">
             <a:extLst>
               <a:ext uri="{FF2B5EF4-FFF2-40B4-BE49-F238E27FC236}">
-                <a16:creationId xmlns:a16="http://schemas.microsoft.com/office/drawing/2014/main" id="{2ACD61CA-2EAE-151B-5B43-414721A52F3F}"/>
+                <a16:creationId xmlns:a16="http://schemas.microsoft.com/office/drawing/2014/main" id="{BB0B0631-5586-E8EE-C280-1DC0A64D54C9}"/>
               </a:ext>
             </a:extLst>
           </p:cNvPr>
@@ -1525,14 +1810,22 @@
             <p:ph type="dt" sz="half" idx="10"/>
           </p:nvPr>
         </p:nvSpPr>
-        <p:spPr/>
-        <p:txBody>
-          <a:bodyPr/>
-          <a:lstStyle/>
-          <a:p>
-            <a:fld id="{DF9E2E06-C4CD-42EC-A5CF-3686BAD2E9B8}" type="datetimeFigureOut">
+        <p:spPr>
+          <a:xfrm>
+            <a:off x="838200" y="6445249"/>
+            <a:ext cx="2743200" cy="365125"/>
+          </a:xfrm>
+          <a:prstGeom prst="rect">
+            <a:avLst/>
+          </a:prstGeom>
+        </p:spPr>
+        <p:txBody>
+          <a:bodyPr/>
+          <a:lstStyle/>
+          <a:p>
+            <a:fld id="{71087A05-F855-4434-8DDE-39A8542098A6}" type="datetimeFigureOut">
               <a:rPr lang="en-US" smtClean="0"/>
-              <a:t>6/13/2024</a:t>
+              <a:t>11/21/2024</a:t>
             </a:fld>
             <a:endParaRPr lang="en-US"/>
           </a:p>
@@ -1543,7 +1836,7 @@
           <p:cNvPr id="6" name="Footer Placeholder 5">
             <a:extLst>
               <a:ext uri="{FF2B5EF4-FFF2-40B4-BE49-F238E27FC236}">
-                <a16:creationId xmlns:a16="http://schemas.microsoft.com/office/drawing/2014/main" id="{0FC3E582-BEF5-F3BA-1C66-96BA3DAE02CD}"/>
+                <a16:creationId xmlns:a16="http://schemas.microsoft.com/office/drawing/2014/main" id="{4C7022BC-4356-2E12-5FFC-95893C9539C6}"/>
               </a:ext>
             </a:extLst>
           </p:cNvPr>
@@ -1554,7 +1847,15 @@
             <p:ph type="ftr" sz="quarter" idx="11"/>
           </p:nvPr>
         </p:nvSpPr>
-        <p:spPr/>
+        <p:spPr>
+          <a:xfrm>
+            <a:off x="4038600" y="6356350"/>
+            <a:ext cx="4114800" cy="365125"/>
+          </a:xfrm>
+          <a:prstGeom prst="rect">
+            <a:avLst/>
+          </a:prstGeom>
+        </p:spPr>
         <p:txBody>
           <a:bodyPr/>
           <a:lstStyle/>
@@ -1568,7 +1869,7 @@
           <p:cNvPr id="7" name="Slide Number Placeholder 6">
             <a:extLst>
               <a:ext uri="{FF2B5EF4-FFF2-40B4-BE49-F238E27FC236}">
-                <a16:creationId xmlns:a16="http://schemas.microsoft.com/office/drawing/2014/main" id="{E36EF37A-79FA-64C0-773D-3FDE3DF2C025}"/>
+                <a16:creationId xmlns:a16="http://schemas.microsoft.com/office/drawing/2014/main" id="{2F6F0616-5185-D339-BFDE-0E16B9960312}"/>
               </a:ext>
             </a:extLst>
           </p:cNvPr>
@@ -1579,12 +1880,20 @@
             <p:ph type="sldNum" sz="quarter" idx="12"/>
           </p:nvPr>
         </p:nvSpPr>
-        <p:spPr/>
-        <p:txBody>
-          <a:bodyPr/>
-          <a:lstStyle/>
-          <a:p>
-            <a:fld id="{257B57EB-B6AF-4CCC-807D-FFAEB829FADF}" type="slidenum">
+        <p:spPr>
+          <a:xfrm>
+            <a:off x="8610600" y="6356350"/>
+            <a:ext cx="2743200" cy="365125"/>
+          </a:xfrm>
+          <a:prstGeom prst="rect">
+            <a:avLst/>
+          </a:prstGeom>
+        </p:spPr>
+        <p:txBody>
+          <a:bodyPr/>
+          <a:lstStyle/>
+          <a:p>
+            <a:fld id="{6C0014F0-3D1D-4459-A530-32E6C19AE461}" type="slidenum">
               <a:rPr lang="en-US" smtClean="0"/>
               <a:t>‹#›</a:t>
             </a:fld>
@@ -1595,7 +1904,7 @@
     </p:spTree>
     <p:extLst>
       <p:ext uri="{BB962C8B-B14F-4D97-AF65-F5344CB8AC3E}">
-        <p14:creationId xmlns:p14="http://schemas.microsoft.com/office/powerpoint/2010/main" val="574201807"/>
+        <p14:creationId xmlns:p14="http://schemas.microsoft.com/office/powerpoint/2010/main" val="1597145891"/>
       </p:ext>
     </p:extLst>
   </p:cSld>
@@ -1627,7 +1936,7 @@
           <p:cNvPr id="2" name="Title 1">
             <a:extLst>
               <a:ext uri="{FF2B5EF4-FFF2-40B4-BE49-F238E27FC236}">
-                <a16:creationId xmlns:a16="http://schemas.microsoft.com/office/drawing/2014/main" id="{3844606C-59CC-76D7-E8B7-674C982EF265}"/>
+                <a16:creationId xmlns:a16="http://schemas.microsoft.com/office/drawing/2014/main" id="{0AADFFED-E59B-6D4E-6B64-0F5B746DEB96}"/>
               </a:ext>
             </a:extLst>
           </p:cNvPr>
@@ -1643,6 +1952,9 @@
             <a:off x="839788" y="365125"/>
             <a:ext cx="10515600" cy="1325563"/>
           </a:xfrm>
+          <a:prstGeom prst="rect">
+            <a:avLst/>
+          </a:prstGeom>
         </p:spPr>
         <p:txBody>
           <a:bodyPr/>
@@ -1660,7 +1972,7 @@
           <p:cNvPr id="3" name="Text Placeholder 2">
             <a:extLst>
               <a:ext uri="{FF2B5EF4-FFF2-40B4-BE49-F238E27FC236}">
-                <a16:creationId xmlns:a16="http://schemas.microsoft.com/office/drawing/2014/main" id="{A958DEF1-AD5A-D158-0626-25E4593F8AF7}"/>
+                <a16:creationId xmlns:a16="http://schemas.microsoft.com/office/drawing/2014/main" id="{1D25BBE6-1C38-6614-EF63-AF608E55C235}"/>
               </a:ext>
             </a:extLst>
           </p:cNvPr>
@@ -1676,6 +1988,9 @@
             <a:off x="839788" y="1681163"/>
             <a:ext cx="5157787" cy="823912"/>
           </a:xfrm>
+          <a:prstGeom prst="rect">
+            <a:avLst/>
+          </a:prstGeom>
         </p:spPr>
         <p:txBody>
           <a:bodyPr anchor="b"/>
@@ -1731,7 +2046,7 @@
           <p:cNvPr id="4" name="Content Placeholder 3">
             <a:extLst>
               <a:ext uri="{FF2B5EF4-FFF2-40B4-BE49-F238E27FC236}">
-                <a16:creationId xmlns:a16="http://schemas.microsoft.com/office/drawing/2014/main" id="{E58076AD-E461-94D5-49E0-62BFA57787FD}"/>
+                <a16:creationId xmlns:a16="http://schemas.microsoft.com/office/drawing/2014/main" id="{D639AC2E-A378-9E93-69F7-FF92F43FC3A8}"/>
               </a:ext>
             </a:extLst>
           </p:cNvPr>
@@ -1747,6 +2062,9 @@
             <a:off x="839788" y="2505075"/>
             <a:ext cx="5157787" cy="3684588"/>
           </a:xfrm>
+          <a:prstGeom prst="rect">
+            <a:avLst/>
+          </a:prstGeom>
         </p:spPr>
         <p:txBody>
           <a:bodyPr/>
@@ -1793,7 +2111,7 @@
           <p:cNvPr id="5" name="Text Placeholder 4">
             <a:extLst>
               <a:ext uri="{FF2B5EF4-FFF2-40B4-BE49-F238E27FC236}">
-                <a16:creationId xmlns:a16="http://schemas.microsoft.com/office/drawing/2014/main" id="{B3AF6255-21B6-656F-B365-4AFB528C9758}"/>
+                <a16:creationId xmlns:a16="http://schemas.microsoft.com/office/drawing/2014/main" id="{E57BF240-C80B-E670-B12B-8BCBA850E04F}"/>
               </a:ext>
             </a:extLst>
           </p:cNvPr>
@@ -1809,6 +2127,9 @@
             <a:off x="6172200" y="1681163"/>
             <a:ext cx="5183188" cy="823912"/>
           </a:xfrm>
+          <a:prstGeom prst="rect">
+            <a:avLst/>
+          </a:prstGeom>
         </p:spPr>
         <p:txBody>
           <a:bodyPr anchor="b"/>
@@ -1864,7 +2185,7 @@
           <p:cNvPr id="6" name="Content Placeholder 5">
             <a:extLst>
               <a:ext uri="{FF2B5EF4-FFF2-40B4-BE49-F238E27FC236}">
-                <a16:creationId xmlns:a16="http://schemas.microsoft.com/office/drawing/2014/main" id="{B8D5BB53-F01E-A659-3CD0-5E9BBEC3DCF1}"/>
+                <a16:creationId xmlns:a16="http://schemas.microsoft.com/office/drawing/2014/main" id="{6AB0FB7E-A75F-AB8B-3217-710BBB592FB3}"/>
               </a:ext>
             </a:extLst>
           </p:cNvPr>
@@ -1880,6 +2201,9 @@
             <a:off x="6172200" y="2505075"/>
             <a:ext cx="5183188" cy="3684588"/>
           </a:xfrm>
+          <a:prstGeom prst="rect">
+            <a:avLst/>
+          </a:prstGeom>
         </p:spPr>
         <p:txBody>
           <a:bodyPr/>
@@ -1926,7 +2250,7 @@
           <p:cNvPr id="7" name="Date Placeholder 6">
             <a:extLst>
               <a:ext uri="{FF2B5EF4-FFF2-40B4-BE49-F238E27FC236}">
-                <a16:creationId xmlns:a16="http://schemas.microsoft.com/office/drawing/2014/main" id="{3F7196AE-A3D4-225E-CB3D-33E043068A8F}"/>
+                <a16:creationId xmlns:a16="http://schemas.microsoft.com/office/drawing/2014/main" id="{BBAC691C-E8A1-E4A4-391E-3EA19AE5DF7A}"/>
               </a:ext>
             </a:extLst>
           </p:cNvPr>
@@ -1937,14 +2261,22 @@
             <p:ph type="dt" sz="half" idx="10"/>
           </p:nvPr>
         </p:nvSpPr>
-        <p:spPr/>
-        <p:txBody>
-          <a:bodyPr/>
-          <a:lstStyle/>
-          <a:p>
-            <a:fld id="{DF9E2E06-C4CD-42EC-A5CF-3686BAD2E9B8}" type="datetimeFigureOut">
+        <p:spPr>
+          <a:xfrm>
+            <a:off x="838200" y="6445249"/>
+            <a:ext cx="2743200" cy="365125"/>
+          </a:xfrm>
+          <a:prstGeom prst="rect">
+            <a:avLst/>
+          </a:prstGeom>
+        </p:spPr>
+        <p:txBody>
+          <a:bodyPr/>
+          <a:lstStyle/>
+          <a:p>
+            <a:fld id="{71087A05-F855-4434-8DDE-39A8542098A6}" type="datetimeFigureOut">
               <a:rPr lang="en-US" smtClean="0"/>
-              <a:t>6/13/2024</a:t>
+              <a:t>11/21/2024</a:t>
             </a:fld>
             <a:endParaRPr lang="en-US"/>
           </a:p>
@@ -1955,7 +2287,7 @@
           <p:cNvPr id="8" name="Footer Placeholder 7">
             <a:extLst>
               <a:ext uri="{FF2B5EF4-FFF2-40B4-BE49-F238E27FC236}">
-                <a16:creationId xmlns:a16="http://schemas.microsoft.com/office/drawing/2014/main" id="{5B5B288D-14EC-6E67-E603-AAE652593D0D}"/>
+                <a16:creationId xmlns:a16="http://schemas.microsoft.com/office/drawing/2014/main" id="{A5742DC8-1560-8BC0-2128-ACBD57240165}"/>
               </a:ext>
             </a:extLst>
           </p:cNvPr>
@@ -1966,7 +2298,15 @@
             <p:ph type="ftr" sz="quarter" idx="11"/>
           </p:nvPr>
         </p:nvSpPr>
-        <p:spPr/>
+        <p:spPr>
+          <a:xfrm>
+            <a:off x="4038600" y="6356350"/>
+            <a:ext cx="4114800" cy="365125"/>
+          </a:xfrm>
+          <a:prstGeom prst="rect">
+            <a:avLst/>
+          </a:prstGeom>
+        </p:spPr>
         <p:txBody>
           <a:bodyPr/>
           <a:lstStyle/>
@@ -1980,7 +2320,7 @@
           <p:cNvPr id="9" name="Slide Number Placeholder 8">
             <a:extLst>
               <a:ext uri="{FF2B5EF4-FFF2-40B4-BE49-F238E27FC236}">
-                <a16:creationId xmlns:a16="http://schemas.microsoft.com/office/drawing/2014/main" id="{C9962C42-7AAE-5A1E-C2BA-269A25A72AF3}"/>
+                <a16:creationId xmlns:a16="http://schemas.microsoft.com/office/drawing/2014/main" id="{589CBA34-0EA5-98FC-EEAA-0C1A44BA1CB5}"/>
               </a:ext>
             </a:extLst>
           </p:cNvPr>
@@ -1991,12 +2331,20 @@
             <p:ph type="sldNum" sz="quarter" idx="12"/>
           </p:nvPr>
         </p:nvSpPr>
-        <p:spPr/>
-        <p:txBody>
-          <a:bodyPr/>
-          <a:lstStyle/>
-          <a:p>
-            <a:fld id="{257B57EB-B6AF-4CCC-807D-FFAEB829FADF}" type="slidenum">
+        <p:spPr>
+          <a:xfrm>
+            <a:off x="8610600" y="6356350"/>
+            <a:ext cx="2743200" cy="365125"/>
+          </a:xfrm>
+          <a:prstGeom prst="rect">
+            <a:avLst/>
+          </a:prstGeom>
+        </p:spPr>
+        <p:txBody>
+          <a:bodyPr/>
+          <a:lstStyle/>
+          <a:p>
+            <a:fld id="{6C0014F0-3D1D-4459-A530-32E6C19AE461}" type="slidenum">
               <a:rPr lang="en-US" smtClean="0"/>
               <a:t>‹#›</a:t>
             </a:fld>
@@ -2007,7 +2355,7 @@
     </p:spTree>
     <p:extLst>
       <p:ext uri="{BB962C8B-B14F-4D97-AF65-F5344CB8AC3E}">
-        <p14:creationId xmlns:p14="http://schemas.microsoft.com/office/powerpoint/2010/main" val="622764148"/>
+        <p14:creationId xmlns:p14="http://schemas.microsoft.com/office/powerpoint/2010/main" val="205957926"/>
       </p:ext>
     </p:extLst>
   </p:cSld>
@@ -2039,7 +2387,7 @@
           <p:cNvPr id="2" name="Title 1">
             <a:extLst>
               <a:ext uri="{FF2B5EF4-FFF2-40B4-BE49-F238E27FC236}">
-                <a16:creationId xmlns:a16="http://schemas.microsoft.com/office/drawing/2014/main" id="{BF78DBE3-AF3E-3367-7539-7D4723D5D351}"/>
+                <a16:creationId xmlns:a16="http://schemas.microsoft.com/office/drawing/2014/main" id="{DB1F5818-3C7C-015C-2483-1875C395B0BF}"/>
               </a:ext>
             </a:extLst>
           </p:cNvPr>
@@ -2050,7 +2398,15 @@
             <p:ph type="title"/>
           </p:nvPr>
         </p:nvSpPr>
-        <p:spPr/>
+        <p:spPr>
+          <a:xfrm>
+            <a:off x="602787" y="1498382"/>
+            <a:ext cx="10515600" cy="1325563"/>
+          </a:xfrm>
+          <a:prstGeom prst="rect">
+            <a:avLst/>
+          </a:prstGeom>
+        </p:spPr>
         <p:txBody>
           <a:bodyPr/>
           <a:lstStyle/>
@@ -2067,7 +2423,7 @@
           <p:cNvPr id="3" name="Date Placeholder 2">
             <a:extLst>
               <a:ext uri="{FF2B5EF4-FFF2-40B4-BE49-F238E27FC236}">
-                <a16:creationId xmlns:a16="http://schemas.microsoft.com/office/drawing/2014/main" id="{33885943-B8C5-1415-0DDB-C7327AD3AA0B}"/>
+                <a16:creationId xmlns:a16="http://schemas.microsoft.com/office/drawing/2014/main" id="{F223477C-97F9-76B1-065E-300F62DDCF99}"/>
               </a:ext>
             </a:extLst>
           </p:cNvPr>
@@ -2078,14 +2434,22 @@
             <p:ph type="dt" sz="half" idx="10"/>
           </p:nvPr>
         </p:nvSpPr>
-        <p:spPr/>
-        <p:txBody>
-          <a:bodyPr/>
-          <a:lstStyle/>
-          <a:p>
-            <a:fld id="{DF9E2E06-C4CD-42EC-A5CF-3686BAD2E9B8}" type="datetimeFigureOut">
+        <p:spPr>
+          <a:xfrm>
+            <a:off x="838200" y="6445249"/>
+            <a:ext cx="2743200" cy="365125"/>
+          </a:xfrm>
+          <a:prstGeom prst="rect">
+            <a:avLst/>
+          </a:prstGeom>
+        </p:spPr>
+        <p:txBody>
+          <a:bodyPr/>
+          <a:lstStyle/>
+          <a:p>
+            <a:fld id="{71087A05-F855-4434-8DDE-39A8542098A6}" type="datetimeFigureOut">
               <a:rPr lang="en-US" smtClean="0"/>
-              <a:t>6/13/2024</a:t>
+              <a:t>11/21/2024</a:t>
             </a:fld>
             <a:endParaRPr lang="en-US"/>
           </a:p>
@@ -2096,7 +2460,7 @@
           <p:cNvPr id="4" name="Footer Placeholder 3">
             <a:extLst>
               <a:ext uri="{FF2B5EF4-FFF2-40B4-BE49-F238E27FC236}">
-                <a16:creationId xmlns:a16="http://schemas.microsoft.com/office/drawing/2014/main" id="{60AE7F66-19C4-37F4-5B62-AEDE77DE9C4D}"/>
+                <a16:creationId xmlns:a16="http://schemas.microsoft.com/office/drawing/2014/main" id="{725CCAE4-3361-9867-C2CA-9F8A178ED41C}"/>
               </a:ext>
             </a:extLst>
           </p:cNvPr>
@@ -2107,7 +2471,15 @@
             <p:ph type="ftr" sz="quarter" idx="11"/>
           </p:nvPr>
         </p:nvSpPr>
-        <p:spPr/>
+        <p:spPr>
+          <a:xfrm>
+            <a:off x="4038600" y="6356350"/>
+            <a:ext cx="4114800" cy="365125"/>
+          </a:xfrm>
+          <a:prstGeom prst="rect">
+            <a:avLst/>
+          </a:prstGeom>
+        </p:spPr>
         <p:txBody>
           <a:bodyPr/>
           <a:lstStyle/>
@@ -2121,7 +2493,7 @@
           <p:cNvPr id="5" name="Slide Number Placeholder 4">
             <a:extLst>
               <a:ext uri="{FF2B5EF4-FFF2-40B4-BE49-F238E27FC236}">
-                <a16:creationId xmlns:a16="http://schemas.microsoft.com/office/drawing/2014/main" id="{04DA1526-6711-58F0-566A-820025918731}"/>
+                <a16:creationId xmlns:a16="http://schemas.microsoft.com/office/drawing/2014/main" id="{E42ECABF-B7A6-37FC-1091-0A6AE97D6725}"/>
               </a:ext>
             </a:extLst>
           </p:cNvPr>
@@ -2132,12 +2504,20 @@
             <p:ph type="sldNum" sz="quarter" idx="12"/>
           </p:nvPr>
         </p:nvSpPr>
-        <p:spPr/>
-        <p:txBody>
-          <a:bodyPr/>
-          <a:lstStyle/>
-          <a:p>
-            <a:fld id="{257B57EB-B6AF-4CCC-807D-FFAEB829FADF}" type="slidenum">
+        <p:spPr>
+          <a:xfrm>
+            <a:off x="8610600" y="6356350"/>
+            <a:ext cx="2743200" cy="365125"/>
+          </a:xfrm>
+          <a:prstGeom prst="rect">
+            <a:avLst/>
+          </a:prstGeom>
+        </p:spPr>
+        <p:txBody>
+          <a:bodyPr/>
+          <a:lstStyle/>
+          <a:p>
+            <a:fld id="{6C0014F0-3D1D-4459-A530-32E6C19AE461}" type="slidenum">
               <a:rPr lang="en-US" smtClean="0"/>
               <a:t>‹#›</a:t>
             </a:fld>
@@ -2148,7 +2528,7 @@
     </p:spTree>
     <p:extLst>
       <p:ext uri="{BB962C8B-B14F-4D97-AF65-F5344CB8AC3E}">
-        <p14:creationId xmlns:p14="http://schemas.microsoft.com/office/powerpoint/2010/main" val="1486176260"/>
+        <p14:creationId xmlns:p14="http://schemas.microsoft.com/office/powerpoint/2010/main" val="2477561557"/>
       </p:ext>
     </p:extLst>
   </p:cSld>
@@ -2180,7 +2560,7 @@
           <p:cNvPr id="2" name="Date Placeholder 1">
             <a:extLst>
               <a:ext uri="{FF2B5EF4-FFF2-40B4-BE49-F238E27FC236}">
-                <a16:creationId xmlns:a16="http://schemas.microsoft.com/office/drawing/2014/main" id="{369F03FC-8230-BCD6-2EC0-00077E1189F0}"/>
+                <a16:creationId xmlns:a16="http://schemas.microsoft.com/office/drawing/2014/main" id="{E2C2A218-2D68-399E-5303-823F32D18A0A}"/>
               </a:ext>
             </a:extLst>
           </p:cNvPr>
@@ -2191,14 +2571,22 @@
             <p:ph type="dt" sz="half" idx="10"/>
           </p:nvPr>
         </p:nvSpPr>
-        <p:spPr/>
-        <p:txBody>
-          <a:bodyPr/>
-          <a:lstStyle/>
-          <a:p>
-            <a:fld id="{DF9E2E06-C4CD-42EC-A5CF-3686BAD2E9B8}" type="datetimeFigureOut">
+        <p:spPr>
+          <a:xfrm>
+            <a:off x="838200" y="6445249"/>
+            <a:ext cx="2743200" cy="365125"/>
+          </a:xfrm>
+          <a:prstGeom prst="rect">
+            <a:avLst/>
+          </a:prstGeom>
+        </p:spPr>
+        <p:txBody>
+          <a:bodyPr/>
+          <a:lstStyle/>
+          <a:p>
+            <a:fld id="{71087A05-F855-4434-8DDE-39A8542098A6}" type="datetimeFigureOut">
               <a:rPr lang="en-US" smtClean="0"/>
-              <a:t>6/13/2024</a:t>
+              <a:t>11/21/2024</a:t>
             </a:fld>
             <a:endParaRPr lang="en-US"/>
           </a:p>
@@ -2209,7 +2597,7 @@
           <p:cNvPr id="3" name="Footer Placeholder 2">
             <a:extLst>
               <a:ext uri="{FF2B5EF4-FFF2-40B4-BE49-F238E27FC236}">
-                <a16:creationId xmlns:a16="http://schemas.microsoft.com/office/drawing/2014/main" id="{C0EBF2A0-DDEE-7C12-5B95-55DA520452FA}"/>
+                <a16:creationId xmlns:a16="http://schemas.microsoft.com/office/drawing/2014/main" id="{41BB3505-96AE-D8F2-469A-F36E9DD155D5}"/>
               </a:ext>
             </a:extLst>
           </p:cNvPr>
@@ -2220,7 +2608,15 @@
             <p:ph type="ftr" sz="quarter" idx="11"/>
           </p:nvPr>
         </p:nvSpPr>
-        <p:spPr/>
+        <p:spPr>
+          <a:xfrm>
+            <a:off x="4038600" y="6356350"/>
+            <a:ext cx="4114800" cy="365125"/>
+          </a:xfrm>
+          <a:prstGeom prst="rect">
+            <a:avLst/>
+          </a:prstGeom>
+        </p:spPr>
         <p:txBody>
           <a:bodyPr/>
           <a:lstStyle/>
@@ -2234,7 +2630,7 @@
           <p:cNvPr id="4" name="Slide Number Placeholder 3">
             <a:extLst>
               <a:ext uri="{FF2B5EF4-FFF2-40B4-BE49-F238E27FC236}">
-                <a16:creationId xmlns:a16="http://schemas.microsoft.com/office/drawing/2014/main" id="{8408BA91-6CC3-9446-CAC6-36474BDA643C}"/>
+                <a16:creationId xmlns:a16="http://schemas.microsoft.com/office/drawing/2014/main" id="{47BA2558-EB65-5F2B-4DEB-5E332CDDC572}"/>
               </a:ext>
             </a:extLst>
           </p:cNvPr>
@@ -2245,12 +2641,20 @@
             <p:ph type="sldNum" sz="quarter" idx="12"/>
           </p:nvPr>
         </p:nvSpPr>
-        <p:spPr/>
-        <p:txBody>
-          <a:bodyPr/>
-          <a:lstStyle/>
-          <a:p>
-            <a:fld id="{257B57EB-B6AF-4CCC-807D-FFAEB829FADF}" type="slidenum">
+        <p:spPr>
+          <a:xfrm>
+            <a:off x="8610600" y="6356350"/>
+            <a:ext cx="2743200" cy="365125"/>
+          </a:xfrm>
+          <a:prstGeom prst="rect">
+            <a:avLst/>
+          </a:prstGeom>
+        </p:spPr>
+        <p:txBody>
+          <a:bodyPr/>
+          <a:lstStyle/>
+          <a:p>
+            <a:fld id="{6C0014F0-3D1D-4459-A530-32E6C19AE461}" type="slidenum">
               <a:rPr lang="en-US" smtClean="0"/>
               <a:t>‹#›</a:t>
             </a:fld>
@@ -2261,7 +2665,7 @@
     </p:spTree>
     <p:extLst>
       <p:ext uri="{BB962C8B-B14F-4D97-AF65-F5344CB8AC3E}">
-        <p14:creationId xmlns:p14="http://schemas.microsoft.com/office/powerpoint/2010/main" val="1488757754"/>
+        <p14:creationId xmlns:p14="http://schemas.microsoft.com/office/powerpoint/2010/main" val="632191323"/>
       </p:ext>
     </p:extLst>
   </p:cSld>
@@ -2293,7 +2697,7 @@
           <p:cNvPr id="2" name="Title 1">
             <a:extLst>
               <a:ext uri="{FF2B5EF4-FFF2-40B4-BE49-F238E27FC236}">
-                <a16:creationId xmlns:a16="http://schemas.microsoft.com/office/drawing/2014/main" id="{8D866450-E015-0378-5440-25EA955855AE}"/>
+                <a16:creationId xmlns:a16="http://schemas.microsoft.com/office/drawing/2014/main" id="{E731290A-4FEE-1487-F6FC-152481239225}"/>
               </a:ext>
             </a:extLst>
           </p:cNvPr>
@@ -2309,6 +2713,9 @@
             <a:off x="839788" y="457200"/>
             <a:ext cx="3932237" cy="1600200"/>
           </a:xfrm>
+          <a:prstGeom prst="rect">
+            <a:avLst/>
+          </a:prstGeom>
         </p:spPr>
         <p:txBody>
           <a:bodyPr anchor="b"/>
@@ -2330,7 +2737,7 @@
           <p:cNvPr id="3" name="Content Placeholder 2">
             <a:extLst>
               <a:ext uri="{FF2B5EF4-FFF2-40B4-BE49-F238E27FC236}">
-                <a16:creationId xmlns:a16="http://schemas.microsoft.com/office/drawing/2014/main" id="{B815F05A-92B2-C79D-AC1E-86DF500879C7}"/>
+                <a16:creationId xmlns:a16="http://schemas.microsoft.com/office/drawing/2014/main" id="{3FD49862-968E-6027-1E22-A84213937FC4}"/>
               </a:ext>
             </a:extLst>
           </p:cNvPr>
@@ -2346,6 +2753,9 @@
             <a:off x="5183188" y="987425"/>
             <a:ext cx="6172200" cy="4873625"/>
           </a:xfrm>
+          <a:prstGeom prst="rect">
+            <a:avLst/>
+          </a:prstGeom>
         </p:spPr>
         <p:txBody>
           <a:bodyPr/>
@@ -2420,7 +2830,7 @@
           <p:cNvPr id="4" name="Text Placeholder 3">
             <a:extLst>
               <a:ext uri="{FF2B5EF4-FFF2-40B4-BE49-F238E27FC236}">
-                <a16:creationId xmlns:a16="http://schemas.microsoft.com/office/drawing/2014/main" id="{72B44ECE-B6BF-8C3C-B633-B1BF54C80323}"/>
+                <a16:creationId xmlns:a16="http://schemas.microsoft.com/office/drawing/2014/main" id="{DDD75452-B3CD-E4D7-2EEB-4D8E7A55BA47}"/>
               </a:ext>
             </a:extLst>
           </p:cNvPr>
@@ -2436,6 +2846,9 @@
             <a:off x="839788" y="2057400"/>
             <a:ext cx="3932237" cy="3811588"/>
           </a:xfrm>
+          <a:prstGeom prst="rect">
+            <a:avLst/>
+          </a:prstGeom>
         </p:spPr>
         <p:txBody>
           <a:bodyPr/>
@@ -2491,7 +2904,7 @@
           <p:cNvPr id="5" name="Date Placeholder 4">
             <a:extLst>
               <a:ext uri="{FF2B5EF4-FFF2-40B4-BE49-F238E27FC236}">
-                <a16:creationId xmlns:a16="http://schemas.microsoft.com/office/drawing/2014/main" id="{D57DE80E-6E93-627A-5F0F-CDA4DE17FC41}"/>
+                <a16:creationId xmlns:a16="http://schemas.microsoft.com/office/drawing/2014/main" id="{E910F3D6-85F4-16D5-02EC-B52A50D1363C}"/>
               </a:ext>
             </a:extLst>
           </p:cNvPr>
@@ -2502,14 +2915,22 @@
             <p:ph type="dt" sz="half" idx="10"/>
           </p:nvPr>
         </p:nvSpPr>
-        <p:spPr/>
-        <p:txBody>
-          <a:bodyPr/>
-          <a:lstStyle/>
-          <a:p>
-            <a:fld id="{DF9E2E06-C4CD-42EC-A5CF-3686BAD2E9B8}" type="datetimeFigureOut">
+        <p:spPr>
+          <a:xfrm>
+            <a:off x="838200" y="6445249"/>
+            <a:ext cx="2743200" cy="365125"/>
+          </a:xfrm>
+          <a:prstGeom prst="rect">
+            <a:avLst/>
+          </a:prstGeom>
+        </p:spPr>
+        <p:txBody>
+          <a:bodyPr/>
+          <a:lstStyle/>
+          <a:p>
+            <a:fld id="{71087A05-F855-4434-8DDE-39A8542098A6}" type="datetimeFigureOut">
               <a:rPr lang="en-US" smtClean="0"/>
-              <a:t>6/13/2024</a:t>
+              <a:t>11/21/2024</a:t>
             </a:fld>
             <a:endParaRPr lang="en-US"/>
           </a:p>
@@ -2520,7 +2941,7 @@
           <p:cNvPr id="6" name="Footer Placeholder 5">
             <a:extLst>
               <a:ext uri="{FF2B5EF4-FFF2-40B4-BE49-F238E27FC236}">
-                <a16:creationId xmlns:a16="http://schemas.microsoft.com/office/drawing/2014/main" id="{2E517088-578C-907F-2E71-D59CCA34F275}"/>
+                <a16:creationId xmlns:a16="http://schemas.microsoft.com/office/drawing/2014/main" id="{FA7DC6C8-71E8-B7D5-9A82-0FA963F35B00}"/>
               </a:ext>
             </a:extLst>
           </p:cNvPr>
@@ -2531,7 +2952,15 @@
             <p:ph type="ftr" sz="quarter" idx="11"/>
           </p:nvPr>
         </p:nvSpPr>
-        <p:spPr/>
+        <p:spPr>
+          <a:xfrm>
+            <a:off x="4038600" y="6356350"/>
+            <a:ext cx="4114800" cy="365125"/>
+          </a:xfrm>
+          <a:prstGeom prst="rect">
+            <a:avLst/>
+          </a:prstGeom>
+        </p:spPr>
         <p:txBody>
           <a:bodyPr/>
           <a:lstStyle/>
@@ -2545,7 +2974,7 @@
           <p:cNvPr id="7" name="Slide Number Placeholder 6">
             <a:extLst>
               <a:ext uri="{FF2B5EF4-FFF2-40B4-BE49-F238E27FC236}">
-                <a16:creationId xmlns:a16="http://schemas.microsoft.com/office/drawing/2014/main" id="{0BB58C80-F09D-6624-ABA0-6C60A8B9C530}"/>
+                <a16:creationId xmlns:a16="http://schemas.microsoft.com/office/drawing/2014/main" id="{33AEBF5B-81ED-5FC8-76EE-E85F459B2D2B}"/>
               </a:ext>
             </a:extLst>
           </p:cNvPr>
@@ -2556,12 +2985,20 @@
             <p:ph type="sldNum" sz="quarter" idx="12"/>
           </p:nvPr>
         </p:nvSpPr>
-        <p:spPr/>
-        <p:txBody>
-          <a:bodyPr/>
-          <a:lstStyle/>
-          <a:p>
-            <a:fld id="{257B57EB-B6AF-4CCC-807D-FFAEB829FADF}" type="slidenum">
+        <p:spPr>
+          <a:xfrm>
+            <a:off x="8610600" y="6356350"/>
+            <a:ext cx="2743200" cy="365125"/>
+          </a:xfrm>
+          <a:prstGeom prst="rect">
+            <a:avLst/>
+          </a:prstGeom>
+        </p:spPr>
+        <p:txBody>
+          <a:bodyPr/>
+          <a:lstStyle/>
+          <a:p>
+            <a:fld id="{6C0014F0-3D1D-4459-A530-32E6C19AE461}" type="slidenum">
               <a:rPr lang="en-US" smtClean="0"/>
               <a:t>‹#›</a:t>
             </a:fld>
@@ -2572,7 +3009,7 @@
     </p:spTree>
     <p:extLst>
       <p:ext uri="{BB962C8B-B14F-4D97-AF65-F5344CB8AC3E}">
-        <p14:creationId xmlns:p14="http://schemas.microsoft.com/office/powerpoint/2010/main" val="399993963"/>
+        <p14:creationId xmlns:p14="http://schemas.microsoft.com/office/powerpoint/2010/main" val="740176455"/>
       </p:ext>
     </p:extLst>
   </p:cSld>
@@ -2604,7 +3041,7 @@
           <p:cNvPr id="2" name="Title 1">
             <a:extLst>
               <a:ext uri="{FF2B5EF4-FFF2-40B4-BE49-F238E27FC236}">
-                <a16:creationId xmlns:a16="http://schemas.microsoft.com/office/drawing/2014/main" id="{EFCC999C-DFF0-516A-A346-EA0FD7639951}"/>
+                <a16:creationId xmlns:a16="http://schemas.microsoft.com/office/drawing/2014/main" id="{640090C6-958A-8F1E-AAA5-6F70ABB1D9F3}"/>
               </a:ext>
             </a:extLst>
           </p:cNvPr>
@@ -2620,6 +3057,9 @@
             <a:off x="839788" y="457200"/>
             <a:ext cx="3932237" cy="1600200"/>
           </a:xfrm>
+          <a:prstGeom prst="rect">
+            <a:avLst/>
+          </a:prstGeom>
         </p:spPr>
         <p:txBody>
           <a:bodyPr anchor="b"/>
@@ -2641,7 +3081,7 @@
           <p:cNvPr id="3" name="Picture Placeholder 2">
             <a:extLst>
               <a:ext uri="{FF2B5EF4-FFF2-40B4-BE49-F238E27FC236}">
-                <a16:creationId xmlns:a16="http://schemas.microsoft.com/office/drawing/2014/main" id="{EBC67787-7B7F-C9FF-EF60-82CF580637E7}"/>
+                <a16:creationId xmlns:a16="http://schemas.microsoft.com/office/drawing/2014/main" id="{3302DF14-CA9B-4C85-16D1-AE914D7EB7E7}"/>
               </a:ext>
             </a:extLst>
           </p:cNvPr>
@@ -2657,6 +3097,9 @@
             <a:off x="5183188" y="987425"/>
             <a:ext cx="6172200" cy="4873625"/>
           </a:xfrm>
+          <a:prstGeom prst="rect">
+            <a:avLst/>
+          </a:prstGeom>
         </p:spPr>
         <p:txBody>
           <a:bodyPr/>
@@ -2699,7 +3142,10 @@
             </a:lvl9pPr>
           </a:lstStyle>
           <a:p>
-            <a:endParaRPr lang="en-US"/>
+            <a:r>
+              <a:rPr lang="en-US"/>
+              <a:t>Click icon to add picture</a:t>
+            </a:r>
           </a:p>
         </p:txBody>
       </p:sp>
@@ -2708,7 +3154,7 @@
           <p:cNvPr id="4" name="Text Placeholder 3">
             <a:extLst>
               <a:ext uri="{FF2B5EF4-FFF2-40B4-BE49-F238E27FC236}">
-                <a16:creationId xmlns:a16="http://schemas.microsoft.com/office/drawing/2014/main" id="{DB134163-436C-E7AC-2E25-4B450FF36006}"/>
+                <a16:creationId xmlns:a16="http://schemas.microsoft.com/office/drawing/2014/main" id="{449386B6-C485-3496-A8CD-9C25B60A4255}"/>
               </a:ext>
             </a:extLst>
           </p:cNvPr>
@@ -2724,6 +3170,9 @@
             <a:off x="839788" y="2057400"/>
             <a:ext cx="3932237" cy="3811588"/>
           </a:xfrm>
+          <a:prstGeom prst="rect">
+            <a:avLst/>
+          </a:prstGeom>
         </p:spPr>
         <p:txBody>
           <a:bodyPr/>
@@ -2779,7 +3228,7 @@
           <p:cNvPr id="5" name="Date Placeholder 4">
             <a:extLst>
               <a:ext uri="{FF2B5EF4-FFF2-40B4-BE49-F238E27FC236}">
-                <a16:creationId xmlns:a16="http://schemas.microsoft.com/office/drawing/2014/main" id="{3F707313-78AF-BF41-F9B0-ADC88D413B9F}"/>
+                <a16:creationId xmlns:a16="http://schemas.microsoft.com/office/drawing/2014/main" id="{DBD5F565-8080-7E82-246E-1EDDAAC2C236}"/>
               </a:ext>
             </a:extLst>
           </p:cNvPr>
@@ -2790,14 +3239,22 @@
             <p:ph type="dt" sz="half" idx="10"/>
           </p:nvPr>
         </p:nvSpPr>
-        <p:spPr/>
-        <p:txBody>
-          <a:bodyPr/>
-          <a:lstStyle/>
-          <a:p>
-            <a:fld id="{DF9E2E06-C4CD-42EC-A5CF-3686BAD2E9B8}" type="datetimeFigureOut">
+        <p:spPr>
+          <a:xfrm>
+            <a:off x="838200" y="6445249"/>
+            <a:ext cx="2743200" cy="365125"/>
+          </a:xfrm>
+          <a:prstGeom prst="rect">
+            <a:avLst/>
+          </a:prstGeom>
+        </p:spPr>
+        <p:txBody>
+          <a:bodyPr/>
+          <a:lstStyle/>
+          <a:p>
+            <a:fld id="{71087A05-F855-4434-8DDE-39A8542098A6}" type="datetimeFigureOut">
               <a:rPr lang="en-US" smtClean="0"/>
-              <a:t>6/13/2024</a:t>
+              <a:t>11/21/2024</a:t>
             </a:fld>
             <a:endParaRPr lang="en-US"/>
           </a:p>
@@ -2808,7 +3265,7 @@
           <p:cNvPr id="6" name="Footer Placeholder 5">
             <a:extLst>
               <a:ext uri="{FF2B5EF4-FFF2-40B4-BE49-F238E27FC236}">
-                <a16:creationId xmlns:a16="http://schemas.microsoft.com/office/drawing/2014/main" id="{2E29A5D4-BBFC-2885-120D-FDE566451DB5}"/>
+                <a16:creationId xmlns:a16="http://schemas.microsoft.com/office/drawing/2014/main" id="{C9E12A3F-827C-0539-3AFC-062DDE283567}"/>
               </a:ext>
             </a:extLst>
           </p:cNvPr>
@@ -2819,7 +3276,15 @@
             <p:ph type="ftr" sz="quarter" idx="11"/>
           </p:nvPr>
         </p:nvSpPr>
-        <p:spPr/>
+        <p:spPr>
+          <a:xfrm>
+            <a:off x="4038600" y="6356350"/>
+            <a:ext cx="4114800" cy="365125"/>
+          </a:xfrm>
+          <a:prstGeom prst="rect">
+            <a:avLst/>
+          </a:prstGeom>
+        </p:spPr>
         <p:txBody>
           <a:bodyPr/>
           <a:lstStyle/>
@@ -2833,7 +3298,7 @@
           <p:cNvPr id="7" name="Slide Number Placeholder 6">
             <a:extLst>
               <a:ext uri="{FF2B5EF4-FFF2-40B4-BE49-F238E27FC236}">
-                <a16:creationId xmlns:a16="http://schemas.microsoft.com/office/drawing/2014/main" id="{9B95E10F-FD9E-21DF-DB55-CD58C2CFDCEC}"/>
+                <a16:creationId xmlns:a16="http://schemas.microsoft.com/office/drawing/2014/main" id="{516B4C84-F522-0893-1790-EF8E720A114E}"/>
               </a:ext>
             </a:extLst>
           </p:cNvPr>
@@ -2844,12 +3309,20 @@
             <p:ph type="sldNum" sz="quarter" idx="12"/>
           </p:nvPr>
         </p:nvSpPr>
-        <p:spPr/>
-        <p:txBody>
-          <a:bodyPr/>
-          <a:lstStyle/>
-          <a:p>
-            <a:fld id="{257B57EB-B6AF-4CCC-807D-FFAEB829FADF}" type="slidenum">
+        <p:spPr>
+          <a:xfrm>
+            <a:off x="8610600" y="6356350"/>
+            <a:ext cx="2743200" cy="365125"/>
+          </a:xfrm>
+          <a:prstGeom prst="rect">
+            <a:avLst/>
+          </a:prstGeom>
+        </p:spPr>
+        <p:txBody>
+          <a:bodyPr/>
+          <a:lstStyle/>
+          <a:p>
+            <a:fld id="{6C0014F0-3D1D-4459-A530-32E6C19AE461}" type="slidenum">
               <a:rPr lang="en-US" smtClean="0"/>
               <a:t>‹#›</a:t>
             </a:fld>
@@ -2860,7 +3333,7 @@
     </p:spTree>
     <p:extLst>
       <p:ext uri="{BB962C8B-B14F-4D97-AF65-F5344CB8AC3E}">
-        <p14:creationId xmlns:p14="http://schemas.microsoft.com/office/powerpoint/2010/main" val="560113319"/>
+        <p14:creationId xmlns:p14="http://schemas.microsoft.com/office/powerpoint/2010/main" val="2266235175"/>
       </p:ext>
     </p:extLst>
   </p:cSld>
@@ -2892,244 +3365,131 @@
           <a:chExt cx="0" cy="0"/>
         </a:xfrm>
       </p:grpSpPr>
-      <p:sp>
-        <p:nvSpPr>
-          <p:cNvPr id="2" name="Title Placeholder 1">
-            <a:extLst>
-              <a:ext uri="{FF2B5EF4-FFF2-40B4-BE49-F238E27FC236}">
-                <a16:creationId xmlns:a16="http://schemas.microsoft.com/office/drawing/2014/main" id="{5538FFCB-9E6B-F4EC-55AE-F7C18745576D}"/>
-              </a:ext>
-            </a:extLst>
-          </p:cNvPr>
-          <p:cNvSpPr>
-            <a:spLocks noGrp="1"/>
-          </p:cNvSpPr>
-          <p:nvPr>
-            <p:ph type="title"/>
-          </p:nvPr>
-        </p:nvSpPr>
-        <p:spPr>
-          <a:xfrm>
-            <a:off x="838200" y="365125"/>
-            <a:ext cx="10515600" cy="1325563"/>
-          </a:xfrm>
-          <a:prstGeom prst="rect">
-            <a:avLst/>
-          </a:prstGeom>
-        </p:spPr>
-        <p:txBody>
-          <a:bodyPr vert="horz" lIns="91440" tIns="45720" rIns="91440" bIns="45720" rtlCol="0" anchor="ctr">
-            <a:normAutofit/>
-          </a:bodyPr>
-          <a:lstStyle/>
-          <a:p>
-            <a:r>
-              <a:rPr lang="en-US"/>
-              <a:t>Click to edit Master title style</a:t>
-            </a:r>
-          </a:p>
-        </p:txBody>
-      </p:sp>
-      <p:sp>
-        <p:nvSpPr>
-          <p:cNvPr id="3" name="Text Placeholder 2">
-            <a:extLst>
-              <a:ext uri="{FF2B5EF4-FFF2-40B4-BE49-F238E27FC236}">
-                <a16:creationId xmlns:a16="http://schemas.microsoft.com/office/drawing/2014/main" id="{326407C0-8A87-0474-88A6-2ED884427662}"/>
-              </a:ext>
-            </a:extLst>
-          </p:cNvPr>
-          <p:cNvSpPr>
-            <a:spLocks noGrp="1"/>
-          </p:cNvSpPr>
-          <p:nvPr>
-            <p:ph type="body" idx="1"/>
-          </p:nvPr>
-        </p:nvSpPr>
-        <p:spPr>
-          <a:xfrm>
-            <a:off x="838200" y="1825625"/>
-            <a:ext cx="10515600" cy="4351338"/>
-          </a:xfrm>
-          <a:prstGeom prst="rect">
-            <a:avLst/>
-          </a:prstGeom>
-        </p:spPr>
-        <p:txBody>
-          <a:bodyPr vert="horz" lIns="91440" tIns="45720" rIns="91440" bIns="45720" rtlCol="0">
-            <a:normAutofit/>
-          </a:bodyPr>
-          <a:lstStyle/>
-          <a:p>
-            <a:pPr lvl="0"/>
-            <a:r>
-              <a:rPr lang="en-US"/>
-              <a:t>Click to edit Master text styles</a:t>
-            </a:r>
-          </a:p>
-          <a:p>
-            <a:pPr lvl="1"/>
-            <a:r>
-              <a:rPr lang="en-US"/>
-              <a:t>Second level</a:t>
-            </a:r>
-          </a:p>
-          <a:p>
-            <a:pPr lvl="2"/>
-            <a:r>
-              <a:rPr lang="en-US"/>
-              <a:t>Third level</a:t>
-            </a:r>
-          </a:p>
-          <a:p>
-            <a:pPr lvl="3"/>
-            <a:r>
-              <a:rPr lang="en-US"/>
-              <a:t>Fourth level</a:t>
-            </a:r>
-          </a:p>
-          <a:p>
-            <a:pPr lvl="4"/>
-            <a:r>
-              <a:rPr lang="en-US"/>
-              <a:t>Fifth level</a:t>
-            </a:r>
-          </a:p>
-        </p:txBody>
-      </p:sp>
-      <p:sp>
-        <p:nvSpPr>
-          <p:cNvPr id="4" name="Date Placeholder 3">
-            <a:extLst>
-              <a:ext uri="{FF2B5EF4-FFF2-40B4-BE49-F238E27FC236}">
-                <a16:creationId xmlns:a16="http://schemas.microsoft.com/office/drawing/2014/main" id="{454219FB-D82F-2047-1527-61270DA568D1}"/>
-              </a:ext>
-            </a:extLst>
-          </p:cNvPr>
-          <p:cNvSpPr>
-            <a:spLocks noGrp="1"/>
-          </p:cNvSpPr>
-          <p:nvPr>
-            <p:ph type="dt" sz="half" idx="2"/>
-          </p:nvPr>
-        </p:nvSpPr>
-        <p:spPr>
-          <a:xfrm>
-            <a:off x="838200" y="6356350"/>
-            <a:ext cx="2743200" cy="365125"/>
-          </a:xfrm>
-          <a:prstGeom prst="rect">
-            <a:avLst/>
-          </a:prstGeom>
-        </p:spPr>
-        <p:txBody>
-          <a:bodyPr vert="horz" lIns="91440" tIns="45720" rIns="91440" bIns="45720" rtlCol="0" anchor="ctr"/>
-          <a:lstStyle>
-            <a:lvl1pPr algn="l">
-              <a:defRPr sz="1200">
-                <a:solidFill>
-                  <a:schemeClr val="tx1">
-                    <a:tint val="75000"/>
-                  </a:schemeClr>
-                </a:solidFill>
-              </a:defRPr>
-            </a:lvl1pPr>
-          </a:lstStyle>
-          <a:p>
-            <a:fld id="{DF9E2E06-C4CD-42EC-A5CF-3686BAD2E9B8}" type="datetimeFigureOut">
-              <a:rPr lang="en-US" smtClean="0"/>
-              <a:t>6/13/2024</a:t>
-            </a:fld>
-            <a:endParaRPr lang="en-US"/>
-          </a:p>
-        </p:txBody>
-      </p:sp>
-      <p:sp>
-        <p:nvSpPr>
-          <p:cNvPr id="5" name="Footer Placeholder 4">
-            <a:extLst>
-              <a:ext uri="{FF2B5EF4-FFF2-40B4-BE49-F238E27FC236}">
-                <a16:creationId xmlns:a16="http://schemas.microsoft.com/office/drawing/2014/main" id="{1AAA90F6-8458-2C31-DA8F-ECAF28ECA18F}"/>
-              </a:ext>
-            </a:extLst>
-          </p:cNvPr>
-          <p:cNvSpPr>
-            <a:spLocks noGrp="1"/>
-          </p:cNvSpPr>
-          <p:nvPr>
-            <p:ph type="ftr" sz="quarter" idx="3"/>
-          </p:nvPr>
-        </p:nvSpPr>
-        <p:spPr>
-          <a:xfrm>
-            <a:off x="4038600" y="6356350"/>
-            <a:ext cx="4114800" cy="365125"/>
-          </a:xfrm>
-          <a:prstGeom prst="rect">
-            <a:avLst/>
-          </a:prstGeom>
-        </p:spPr>
-        <p:txBody>
-          <a:bodyPr vert="horz" lIns="91440" tIns="45720" rIns="91440" bIns="45720" rtlCol="0" anchor="ctr"/>
-          <a:lstStyle>
-            <a:lvl1pPr algn="ctr">
-              <a:defRPr sz="1200">
-                <a:solidFill>
-                  <a:schemeClr val="tx1">
-                    <a:tint val="75000"/>
-                  </a:schemeClr>
-                </a:solidFill>
-              </a:defRPr>
-            </a:lvl1pPr>
-          </a:lstStyle>
-          <a:p>
-            <a:endParaRPr lang="en-US"/>
-          </a:p>
-        </p:txBody>
-      </p:sp>
-      <p:sp>
-        <p:nvSpPr>
-          <p:cNvPr id="6" name="Slide Number Placeholder 5">
-            <a:extLst>
-              <a:ext uri="{FF2B5EF4-FFF2-40B4-BE49-F238E27FC236}">
-                <a16:creationId xmlns:a16="http://schemas.microsoft.com/office/drawing/2014/main" id="{F11B54DA-F8E8-A623-8B14-4BB03022E3B8}"/>
-              </a:ext>
-            </a:extLst>
-          </p:cNvPr>
-          <p:cNvSpPr>
-            <a:spLocks noGrp="1"/>
-          </p:cNvSpPr>
-          <p:nvPr>
-            <p:ph type="sldNum" sz="quarter" idx="4"/>
-          </p:nvPr>
-        </p:nvSpPr>
-        <p:spPr>
-          <a:xfrm>
-            <a:off x="8610600" y="6356350"/>
-            <a:ext cx="2743200" cy="365125"/>
-          </a:xfrm>
-          <a:prstGeom prst="rect">
-            <a:avLst/>
-          </a:prstGeom>
-        </p:spPr>
-        <p:txBody>
-          <a:bodyPr vert="horz" lIns="91440" tIns="45720" rIns="91440" bIns="45720" rtlCol="0" anchor="ctr"/>
-          <a:lstStyle>
-            <a:lvl1pPr algn="r">
-              <a:defRPr sz="1200">
-                <a:solidFill>
-                  <a:schemeClr val="tx1">
-                    <a:tint val="75000"/>
-                  </a:schemeClr>
-                </a:solidFill>
-              </a:defRPr>
-            </a:lvl1pPr>
-          </a:lstStyle>
-          <a:p>
-            <a:fld id="{257B57EB-B6AF-4CCC-807D-FFAEB829FADF}" type="slidenum">
-              <a:rPr lang="en-US" smtClean="0"/>
-              <a:t>‹#›</a:t>
-            </a:fld>
+      <p:pic>
+        <p:nvPicPr>
+          <p:cNvPr id="7" name="Picture 6">
+            <a:extLst>
+              <a:ext uri="{FF2B5EF4-FFF2-40B4-BE49-F238E27FC236}">
+                <a16:creationId xmlns:a16="http://schemas.microsoft.com/office/drawing/2014/main" id="{AEB2CF3C-8982-A5D5-05DB-5BF3F09E24AE}"/>
+              </a:ext>
+              <a:ext uri="{C183D7F6-B498-43B3-948B-1728B52AA6E4}">
+                <adec:decorative xmlns:adec="http://schemas.microsoft.com/office/drawing/2017/decorative" val="1"/>
+              </a:ext>
+            </a:extLst>
+          </p:cNvPr>
+          <p:cNvPicPr>
+            <a:picLocks noChangeAspect="1"/>
+          </p:cNvPicPr>
+          <p:nvPr userDrawn="1"/>
+        </p:nvPicPr>
+        <p:blipFill>
+          <a:blip r:embed="rId15">
+            <a:extLst>
+              <a:ext uri="{28A0092B-C50C-407E-A947-70E740481C1C}">
+                <a14:useLocalDpi xmlns:a14="http://schemas.microsoft.com/office/drawing/2010/main" val="0"/>
+              </a:ext>
+            </a:extLst>
+          </a:blip>
+          <a:stretch>
+            <a:fillRect/>
+          </a:stretch>
+        </p:blipFill>
+        <p:spPr>
+          <a:xfrm>
+            <a:off x="212436" y="236453"/>
+            <a:ext cx="11767127" cy="787737"/>
+          </a:xfrm>
+          <a:prstGeom prst="rect">
+            <a:avLst/>
+          </a:prstGeom>
+        </p:spPr>
+      </p:pic>
+      <p:cxnSp>
+        <p:nvCxnSpPr>
+          <p:cNvPr id="9" name="Straight Connector 8">
+            <a:extLst>
+              <a:ext uri="{FF2B5EF4-FFF2-40B4-BE49-F238E27FC236}">
+                <a16:creationId xmlns:a16="http://schemas.microsoft.com/office/drawing/2014/main" id="{DE7FEFD9-5638-352F-A6ED-06F1FDE322D4}"/>
+              </a:ext>
+            </a:extLst>
+          </p:cNvPr>
+          <p:cNvCxnSpPr>
+            <a:cxnSpLocks/>
+          </p:cNvCxnSpPr>
+          <p:nvPr userDrawn="1"/>
+        </p:nvCxnSpPr>
+        <p:spPr>
+          <a:xfrm>
+            <a:off x="175490" y="1099127"/>
+            <a:ext cx="11841020" cy="0"/>
+          </a:xfrm>
+          <a:prstGeom prst="line">
+            <a:avLst/>
+          </a:prstGeom>
+          <a:ln w="38100">
+            <a:solidFill>
+              <a:srgbClr val="A13C39"/>
+            </a:solidFill>
+          </a:ln>
+        </p:spPr>
+        <p:style>
+          <a:lnRef idx="2">
+            <a:schemeClr val="accent1"/>
+          </a:lnRef>
+          <a:fillRef idx="0">
+            <a:schemeClr val="accent1"/>
+          </a:fillRef>
+          <a:effectRef idx="1">
+            <a:schemeClr val="accent1"/>
+          </a:effectRef>
+          <a:fontRef idx="minor">
+            <a:schemeClr val="tx1"/>
+          </a:fontRef>
+        </p:style>
+      </p:cxnSp>
+      <p:sp>
+        <p:nvSpPr>
+          <p:cNvPr id="11" name="Rectangle 10">
+            <a:extLst>
+              <a:ext uri="{FF2B5EF4-FFF2-40B4-BE49-F238E27FC236}">
+                <a16:creationId xmlns:a16="http://schemas.microsoft.com/office/drawing/2014/main" id="{910C5C32-408D-8072-82C8-297384424B54}"/>
+              </a:ext>
+            </a:extLst>
+          </p:cNvPr>
+          <p:cNvSpPr/>
+          <p:nvPr userDrawn="1"/>
+        </p:nvSpPr>
+        <p:spPr>
+          <a:xfrm>
+            <a:off x="175492" y="184727"/>
+            <a:ext cx="11841018" cy="6493164"/>
+          </a:xfrm>
+          <a:prstGeom prst="rect">
+            <a:avLst/>
+          </a:prstGeom>
+          <a:noFill/>
+        </p:spPr>
+        <p:style>
+          <a:lnRef idx="2">
+            <a:schemeClr val="accent1">
+              <a:shade val="15000"/>
+            </a:schemeClr>
+          </a:lnRef>
+          <a:fillRef idx="1">
+            <a:schemeClr val="accent1"/>
+          </a:fillRef>
+          <a:effectRef idx="0">
+            <a:schemeClr val="accent1"/>
+          </a:effectRef>
+          <a:fontRef idx="minor">
+            <a:schemeClr val="lt1"/>
+          </a:fontRef>
+        </p:style>
+        <p:txBody>
+          <a:bodyPr rtlCol="0" anchor="ctr"/>
+          <a:lstStyle/>
+          <a:p>
+            <a:pPr algn="ctr"/>
             <a:endParaRPr lang="en-US"/>
           </a:p>
         </p:txBody>
@@ -3137,7 +3497,7 @@
     </p:spTree>
     <p:extLst>
       <p:ext uri="{BB962C8B-B14F-4D97-AF65-F5344CB8AC3E}">
-        <p14:creationId xmlns:p14="http://schemas.microsoft.com/office/powerpoint/2010/main" val="4166585097"/>
+        <p14:creationId xmlns:p14="http://schemas.microsoft.com/office/powerpoint/2010/main" val="466850387"/>
       </p:ext>
     </p:extLst>
   </p:cSld>
@@ -3155,10 +3515,11 @@
     <p:sldLayoutId id="2147483658" r:id="rId10"/>
     <p:sldLayoutId id="2147483659" r:id="rId11"/>
     <p:sldLayoutId id="2147483660" r:id="rId12"/>
+    <p:sldLayoutId id="2147483661" r:id="rId13"/>
   </p:sldLayoutIdLst>
   <p:txStyles>
     <p:titleStyle>
-      <a:lvl1pPr algn="l" defTabSz="914400" rtl="0" eaLnBrk="1" latinLnBrk="0" hangingPunct="1">
+      <a:lvl1pPr algn="ctr" defTabSz="914400" rtl="0" eaLnBrk="1" latinLnBrk="0" hangingPunct="1">
         <a:lnSpc>
           <a:spcPct val="90000"/>
         </a:lnSpc>
@@ -3558,10 +3919,15 @@
             <p:ph type="body" sz="quarter" idx="10"/>
           </p:nvPr>
         </p:nvSpPr>
-        <p:spPr/>
+        <p:spPr>
+          <a:xfrm>
+            <a:off x="323527" y="1720634"/>
+            <a:ext cx="11573197" cy="724247"/>
+          </a:xfrm>
+        </p:spPr>
         <p:txBody>
           <a:bodyPr>
-            <a:normAutofit fontScale="92500" lnSpcReduction="10000"/>
+            <a:normAutofit fontScale="92500" lnSpcReduction="20000"/>
           </a:bodyPr>
           <a:lstStyle/>
           <a:p>
@@ -3586,7 +3952,7 @@
         </p:nvSpPr>
         <p:spPr>
           <a:xfrm>
-            <a:off x="1268392" y="1054728"/>
+            <a:off x="1282523" y="2643542"/>
             <a:ext cx="9655207" cy="3170099"/>
           </a:xfrm>
           <a:prstGeom prst="rect">
@@ -3731,10 +4097,15 @@
             <p:ph type="body" sz="quarter" idx="10"/>
           </p:nvPr>
         </p:nvSpPr>
-        <p:spPr/>
+        <p:spPr>
+          <a:xfrm>
+            <a:off x="323527" y="1682534"/>
+            <a:ext cx="11573197" cy="724247"/>
+          </a:xfrm>
+        </p:spPr>
         <p:txBody>
           <a:bodyPr>
-            <a:normAutofit fontScale="92500" lnSpcReduction="10000"/>
+            <a:normAutofit fontScale="92500" lnSpcReduction="20000"/>
           </a:bodyPr>
           <a:lstStyle/>
           <a:p>
@@ -3759,7 +4130,7 @@
         </p:nvSpPr>
         <p:spPr>
           <a:xfrm>
-            <a:off x="1268392" y="1054728"/>
+            <a:off x="1282523" y="2578728"/>
             <a:ext cx="9655207" cy="2862322"/>
           </a:xfrm>
           <a:prstGeom prst="rect">
@@ -3904,10 +4275,15 @@
             <p:ph type="body" sz="quarter" idx="10"/>
           </p:nvPr>
         </p:nvSpPr>
-        <p:spPr/>
+        <p:spPr>
+          <a:xfrm>
+            <a:off x="323529" y="1301534"/>
+            <a:ext cx="11573197" cy="724247"/>
+          </a:xfrm>
+        </p:spPr>
         <p:txBody>
           <a:bodyPr>
-            <a:normAutofit fontScale="92500" lnSpcReduction="10000"/>
+            <a:normAutofit fontScale="92500" lnSpcReduction="20000"/>
           </a:bodyPr>
           <a:lstStyle/>
           <a:p>
@@ -3932,8 +4308,8 @@
         </p:nvSpPr>
         <p:spPr>
           <a:xfrm>
-            <a:off x="1268392" y="1054728"/>
-            <a:ext cx="9655207" cy="4708981"/>
+            <a:off x="1143000" y="2197728"/>
+            <a:ext cx="9780599" cy="4708981"/>
           </a:xfrm>
           <a:prstGeom prst="rect">
             <a:avLst/>
@@ -4029,14 +4405,10 @@
             </a:r>
             <a:r>
               <a:rPr lang="en-US" sz="2000" dirty="0"/>
-              <a:t> to simulate future semesters’ enrollment choices. Students use it to ensure courses are taken at appropriate times and will satisfy degree </a:t>
-            </a:r>
-            <a:r>
-              <a:rPr lang="en-US" sz="2000"/>
-              <a:t>requirements.</a:t>
+              <a:t> to simulate future semesters’ enrollment choices. Students use it to ensure courses are taken at appropriate times and will satisfy degree requirements.</a:t>
             </a:r>
             <a:br>
-              <a:rPr lang="en-US" sz="2000"/>
+              <a:rPr lang="en-US" sz="2000" dirty="0"/>
             </a:br>
             <a:endParaRPr lang="en-US" sz="2000" dirty="0"/>
           </a:p>
@@ -4088,10 +4460,15 @@
             <p:ph type="body" sz="quarter" idx="10"/>
           </p:nvPr>
         </p:nvSpPr>
-        <p:spPr/>
+        <p:spPr>
+          <a:xfrm>
+            <a:off x="323529" y="1282484"/>
+            <a:ext cx="11573197" cy="724247"/>
+          </a:xfrm>
+        </p:spPr>
         <p:txBody>
           <a:bodyPr>
-            <a:normAutofit fontScale="92500" lnSpcReduction="10000"/>
+            <a:normAutofit fontScale="92500" lnSpcReduction="20000"/>
           </a:bodyPr>
           <a:lstStyle/>
           <a:p>
@@ -4116,8 +4493,8 @@
         </p:nvSpPr>
         <p:spPr>
           <a:xfrm>
-            <a:off x="1268392" y="1054728"/>
-            <a:ext cx="9655207" cy="4708981"/>
+            <a:off x="1085850" y="1940553"/>
+            <a:ext cx="9837749" cy="4708981"/>
           </a:xfrm>
           <a:prstGeom prst="rect">
             <a:avLst/>
@@ -4231,13 +4608,8 @@
             </a:r>
             <a:r>
               <a:rPr lang="en-US" sz="2000" dirty="0"/>
-              <a:t>: Be patient. OO is not learned quickly! These four principles are highly interrelated, and most people only gradually come to understand them over an extended time while working with object-oriented software. It may take several weeks of upcoming study in this course before some of these principles start to </a:t>
-            </a:r>
-            <a:r>
-              <a:rPr lang="en-US" sz="2000"/>
-              <a:t>make sense.</a:t>
-            </a:r>
-            <a:endParaRPr lang="en-US" sz="2000" dirty="0"/>
+              <a:t>: Be patient. OO is not learned quickly! These four principles are highly interrelated, and most people only gradually come to understand them over an extended time while working with object-oriented software. It may take several weeks of upcoming study in this course before some of these principles start to make sense.</a:t>
+            </a:r>
           </a:p>
         </p:txBody>
       </p:sp>
@@ -4265,39 +4637,39 @@
         <a:sysClr val="window" lastClr="FFFFFF"/>
       </a:lt1>
       <a:dk2>
-        <a:srgbClr val="44546A"/>
+        <a:srgbClr val="0E2841"/>
       </a:dk2>
       <a:lt2>
-        <a:srgbClr val="E7E6E6"/>
+        <a:srgbClr val="E8E8E8"/>
       </a:lt2>
       <a:accent1>
-        <a:srgbClr val="4472C4"/>
+        <a:srgbClr val="156082"/>
       </a:accent1>
       <a:accent2>
-        <a:srgbClr val="ED7D31"/>
+        <a:srgbClr val="E97132"/>
       </a:accent2>
       <a:accent3>
-        <a:srgbClr val="A5A5A5"/>
+        <a:srgbClr val="196B24"/>
       </a:accent3>
       <a:accent4>
-        <a:srgbClr val="FFC000"/>
+        <a:srgbClr val="0F9ED5"/>
       </a:accent4>
       <a:accent5>
-        <a:srgbClr val="5B9BD5"/>
+        <a:srgbClr val="A02B93"/>
       </a:accent5>
       <a:accent6>
-        <a:srgbClr val="70AD47"/>
+        <a:srgbClr val="4EA72E"/>
       </a:accent6>
       <a:hlink>
-        <a:srgbClr val="0563C1"/>
+        <a:srgbClr val="467886"/>
       </a:hlink>
       <a:folHlink>
-        <a:srgbClr val="954F72"/>
+        <a:srgbClr val="96607D"/>
       </a:folHlink>
     </a:clrScheme>
     <a:fontScheme name="Office">
       <a:majorFont>
-        <a:latin typeface="Calibri Light" panose="020F0302020204030204"/>
+        <a:latin typeface="Aptos Display" panose="02110004020202020204"/>
         <a:ea typeface=""/>
         <a:cs typeface=""/>
         <a:font script="Jpan" typeface="游ゴシック Light"/>
@@ -4349,7 +4721,7 @@
         <a:font script="Tfng" typeface="Ebrima"/>
       </a:majorFont>
       <a:minorFont>
-        <a:latin typeface="Calibri" panose="020F0502020204030204"/>
+        <a:latin typeface="Aptos" panose="02110004020202020204"/>
         <a:ea typeface=""/>
         <a:cs typeface=""/>
         <a:font script="Jpan" typeface="游ゴシック"/>
@@ -4460,13 +4832,6 @@
         </a:gradFill>
       </a:fillStyleLst>
       <a:lnStyleLst>
-        <a:ln w="6350" cap="flat" cmpd="sng" algn="ctr">
-          <a:solidFill>
-            <a:schemeClr val="phClr"/>
-          </a:solidFill>
-          <a:prstDash val="solid"/>
-          <a:miter lim="800000"/>
-        </a:ln>
         <a:ln w="12700" cap="flat" cmpd="sng" algn="ctr">
           <a:solidFill>
             <a:schemeClr val="phClr"/>
@@ -4475,6 +4840,13 @@
           <a:miter lim="800000"/>
         </a:ln>
         <a:ln w="19050" cap="flat" cmpd="sng" algn="ctr">
+          <a:solidFill>
+            <a:schemeClr val="phClr"/>
+          </a:solidFill>
+          <a:prstDash val="solid"/>
+          <a:miter lim="800000"/>
+        </a:ln>
+        <a:ln w="25400" cap="flat" cmpd="sng" algn="ctr">
           <a:solidFill>
             <a:schemeClr val="phClr"/>
           </a:solidFill>
@@ -4539,11 +4911,31 @@
       </a:bgFillStyleLst>
     </a:fmtScheme>
   </a:themeElements>
-  <a:objectDefaults/>
+  <a:objectDefaults>
+    <a:lnDef>
+      <a:spPr/>
+      <a:bodyPr/>
+      <a:lstStyle/>
+      <a:style>
+        <a:lnRef idx="2">
+          <a:schemeClr val="accent1"/>
+        </a:lnRef>
+        <a:fillRef idx="0">
+          <a:schemeClr val="accent1"/>
+        </a:fillRef>
+        <a:effectRef idx="1">
+          <a:schemeClr val="accent1"/>
+        </a:effectRef>
+        <a:fontRef idx="minor">
+          <a:schemeClr val="tx1"/>
+        </a:fontRef>
+      </a:style>
+    </a:lnDef>
+  </a:objectDefaults>
   <a:extraClrSchemeLst/>
   <a:extLst>
     <a:ext uri="{05A4C25C-085E-4340-85A3-A5531E510DB2}">
-      <thm15:themeFamily xmlns:thm15="http://schemas.microsoft.com/office/thememl/2012/main" name="Office Theme" id="{62F939B6-93AF-4DB8-9C6B-D6C7DFDC589F}" vid="{4A3C46E8-61CC-4603-A589-7422A47A8E4A}"/>
+      <thm15:themeFamily xmlns:thm15="http://schemas.microsoft.com/office/thememl/2012/main" name="Presentation1" id="{DAD0D162-FE0C-45E1-B287-70A400F0FB2D}" vid="{0F85589E-3A92-4CE5-8C4F-6CD4A008415E}"/>
     </a:ext>
   </a:extLst>
 </a:theme>
